--- a/sparkscala.pptx
+++ b/sparkscala.pptx
@@ -3442,15 +3442,7 @@
           <a:p>
             <a:r>
               <a:rPr lang="en-IN" dirty="0"/>
-              <a:t>https://github.com/ashishobeystalent/Bigdata_ppt/upload/</a:t>
-            </a:r>
-            <a:r>
-              <a:rPr lang="en-IN"/>
-              <a:t>master/sparkscala.</a:t>
-            </a:r>
-            <a:r>
-              <a:rPr lang="en-IN" dirty="0"/>
-              <a:t>pptx</a:t>
+              <a:t>https://github.com/ashishobeystalent/Bigdata_ppt/upload/master/sparkscala.pptx</a:t>
             </a:r>
           </a:p>
         </p:txBody>
@@ -3726,8 +3718,8 @@
         </p:nvSpPr>
         <p:spPr>
           <a:xfrm>
-            <a:off x="738554" y="1011115"/>
-            <a:ext cx="9838592" cy="7694414"/>
+            <a:off x="738553" y="641838"/>
+            <a:ext cx="9838592" cy="8494633"/>
           </a:xfrm>
           <a:prstGeom prst="rect">
             <a:avLst/>
@@ -3821,6 +3813,14 @@
           <a:p>
             <a:r>
               <a:rPr lang="en-IN" sz="1400" dirty="0" err="1"/>
+              <a:t>sudo</a:t>
+            </a:r>
+            <a:r>
+              <a:rPr lang="en-IN" sz="1400" dirty="0"/>
+              <a:t> </a:t>
+            </a:r>
+            <a:r>
+              <a:rPr lang="en-IN" sz="1400" dirty="0" err="1"/>
               <a:t>mkdir</a:t>
             </a:r>
             <a:r>
@@ -3839,6 +3839,14 @@
           <a:p>
             <a:r>
               <a:rPr lang="en-IN" sz="1400" dirty="0" err="1"/>
+              <a:t>sudo</a:t>
+            </a:r>
+            <a:r>
+              <a:rPr lang="en-IN" sz="1400" dirty="0"/>
+              <a:t> </a:t>
+            </a:r>
+            <a:r>
+              <a:rPr lang="en-IN" sz="1400" dirty="0" err="1"/>
               <a:t>mkdir</a:t>
             </a:r>
             <a:r>
@@ -3860,6 +3868,47 @@
             <a:endParaRPr lang="en-IN" sz="1400" dirty="0"/>
           </a:p>
           <a:p>
+            <a:r>
+              <a:rPr lang="en-IN" sz="1400" dirty="0" err="1"/>
+              <a:t>sudo</a:t>
+            </a:r>
+            <a:r>
+              <a:rPr lang="en-IN" sz="1400" dirty="0"/>
+              <a:t> </a:t>
+            </a:r>
+            <a:r>
+              <a:rPr lang="en-IN" sz="1400" dirty="0" err="1"/>
+              <a:t>mkdir</a:t>
+            </a:r>
+            <a:r>
+              <a:rPr lang="en-IN" sz="1400" dirty="0"/>
+              <a:t> /var/spark</a:t>
+            </a:r>
+          </a:p>
+          <a:p>
+            <a:r>
+              <a:rPr lang="en-IN" sz="1400" dirty="0" err="1"/>
+              <a:t>sudo</a:t>
+            </a:r>
+            <a:r>
+              <a:rPr lang="en-IN" sz="1400" dirty="0"/>
+              <a:t> </a:t>
+            </a:r>
+            <a:r>
+              <a:rPr lang="en-IN" sz="1400" dirty="0" err="1"/>
+              <a:t>mkdir</a:t>
+            </a:r>
+            <a:r>
+              <a:rPr lang="en-IN" sz="1400" dirty="0"/>
+              <a:t> /var/spark/</a:t>
+            </a:r>
+            <a:r>
+              <a:rPr lang="en-IN" sz="1400" dirty="0" err="1"/>
+              <a:t>tmp</a:t>
+            </a:r>
+            <a:endParaRPr lang="en-IN" sz="1400" dirty="0"/>
+          </a:p>
+          <a:p>
             <a:endParaRPr lang="en-IN" dirty="0"/>
           </a:p>
           <a:p>
@@ -3874,7 +3923,7 @@
           <a:p>
             <a:r>
               <a:rPr lang="en-IN" sz="1400" dirty="0" err="1"/>
-              <a:t>Sudo</a:t>
+              <a:t>sudo</a:t>
             </a:r>
             <a:r>
               <a:rPr lang="en-IN" sz="1400" dirty="0"/>
@@ -3900,7 +3949,7 @@
           <a:p>
             <a:r>
               <a:rPr lang="en-IN" sz="1400" dirty="0" err="1"/>
-              <a:t>Sudo</a:t>
+              <a:t>sudo</a:t>
             </a:r>
             <a:r>
               <a:rPr lang="en-IN" sz="1400" dirty="0"/>
@@ -3929,7 +3978,22 @@
             <a:endParaRPr lang="en-IN" sz="1400" dirty="0"/>
           </a:p>
           <a:p>
-            <a:endParaRPr lang="en-IN" sz="1400" dirty="0"/>
+            <a:r>
+              <a:rPr lang="en-IN" sz="1400" dirty="0" err="1"/>
+              <a:t>sudo</a:t>
+            </a:r>
+            <a:r>
+              <a:rPr lang="en-IN" sz="1400" dirty="0"/>
+              <a:t> </a:t>
+            </a:r>
+            <a:r>
+              <a:rPr lang="en-IN" sz="1400" dirty="0" err="1"/>
+              <a:t>chmod</a:t>
+            </a:r>
+            <a:r>
+              <a:rPr lang="en-IN" sz="1400" dirty="0"/>
+              <a:t> -R 777 /var/spark</a:t>
+            </a:r>
           </a:p>
           <a:p>
             <a:endParaRPr lang="en-IN" dirty="0"/>
@@ -3941,12 +4005,9 @@
             </a:r>
           </a:p>
           <a:p>
-            <a:endParaRPr lang="en-IN" dirty="0"/>
-          </a:p>
-          <a:p>
             <a:r>
               <a:rPr lang="en-IN" sz="1400" dirty="0" err="1"/>
-              <a:t>Sudo</a:t>
+              <a:t>sudo</a:t>
             </a:r>
             <a:r>
               <a:rPr lang="en-IN" sz="1400" dirty="0"/>
@@ -3985,7 +4046,7 @@
           <a:p>
             <a:r>
               <a:rPr lang="en-IN" sz="1400" dirty="0" err="1"/>
-              <a:t>Sudo</a:t>
+              <a:t>sudo</a:t>
             </a:r>
             <a:r>
               <a:rPr lang="en-IN" sz="1400" dirty="0"/>
@@ -4015,6 +4076,35 @@
               <a:rPr lang="en-IN" sz="1400" dirty="0"/>
               <a:t>/local/spark</a:t>
             </a:r>
+          </a:p>
+          <a:p>
+            <a:r>
+              <a:rPr lang="en-IN" sz="1400" dirty="0" err="1"/>
+              <a:t>sudo</a:t>
+            </a:r>
+            <a:r>
+              <a:rPr lang="en-IN" sz="1400" dirty="0"/>
+              <a:t> </a:t>
+            </a:r>
+            <a:r>
+              <a:rPr lang="en-IN" sz="1400" dirty="0" err="1"/>
+              <a:t>chown</a:t>
+            </a:r>
+            <a:r>
+              <a:rPr lang="en-IN" sz="1400" dirty="0"/>
+              <a:t> -R </a:t>
+            </a:r>
+            <a:r>
+              <a:rPr lang="en-IN" sz="1400" dirty="0" err="1"/>
+              <a:t>hadoop:hadoop</a:t>
+            </a:r>
+            <a:r>
+              <a:rPr lang="en-IN" sz="1400" dirty="0"/>
+              <a:t> /var/spark</a:t>
+            </a:r>
+          </a:p>
+          <a:p>
+            <a:endParaRPr lang="en-IN" sz="1400" dirty="0"/>
           </a:p>
           <a:p>
             <a:endParaRPr lang="en-IN" sz="1400" dirty="0"/>
@@ -4509,15 +4599,7 @@
           <a:p>
             <a:r>
               <a:rPr lang="en-IN" dirty="0"/>
-              <a:t>Set path for </a:t>
-            </a:r>
-            <a:r>
-              <a:rPr lang="en-IN" dirty="0" err="1"/>
-              <a:t>hbase</a:t>
-            </a:r>
-            <a:r>
-              <a:rPr lang="en-IN" dirty="0"/>
-              <a:t>/bin in  ~/.</a:t>
+              <a:t>Set path for spark/bin in  ~/.</a:t>
             </a:r>
             <a:r>
               <a:rPr lang="en-IN" dirty="0" err="1"/>
@@ -4659,15 +4741,7 @@
           <a:p>
             <a:r>
               <a:rPr lang="en-IN" dirty="0"/>
-              <a:t>Now change the configuration of </a:t>
-            </a:r>
-            <a:r>
-              <a:rPr lang="en-IN" dirty="0" err="1"/>
-              <a:t>sqoop</a:t>
-            </a:r>
-            <a:r>
-              <a:rPr lang="en-IN" dirty="0"/>
-              <a:t> </a:t>
+              <a:t>Now change the configuration of spark </a:t>
             </a:r>
           </a:p>
           <a:p>
@@ -5394,7 +5468,7 @@
         <p:spPr>
           <a:xfrm>
             <a:off x="676848" y="1072660"/>
-            <a:ext cx="9624646" cy="6740307"/>
+            <a:ext cx="9624646" cy="7017306"/>
           </a:xfrm>
           <a:prstGeom prst="rect">
             <a:avLst/>
@@ -5406,6 +5480,29 @@
             <a:spAutoFit/>
           </a:bodyPr>
           <a:lstStyle/>
+          <a:p>
+            <a:r>
+              <a:rPr lang="en-IN" dirty="0"/>
+              <a:t>cp </a:t>
+            </a:r>
+            <a:r>
+              <a:rPr lang="en-IN" b="1" dirty="0"/>
+              <a:t>spark-</a:t>
+            </a:r>
+            <a:r>
+              <a:rPr lang="en-IN" b="1" dirty="0" err="1"/>
+              <a:t>defaults.conf.template</a:t>
+            </a:r>
+            <a:r>
+              <a:rPr lang="en-IN" b="1" dirty="0"/>
+              <a:t> spark-</a:t>
+            </a:r>
+            <a:r>
+              <a:rPr lang="en-IN" b="1" dirty="0" err="1"/>
+              <a:t>defaults.conf</a:t>
+            </a:r>
+            <a:endParaRPr lang="en-IN" b="1" dirty="0"/>
+          </a:p>
           <a:p>
             <a:endParaRPr lang="en-IN" dirty="0"/>
           </a:p>
@@ -5889,7 +5986,15 @@
             </a:r>
             <a:r>
               <a:rPr lang="en-IN" dirty="0"/>
-              <a:t>/local/spark hadoop@datanode1:/</a:t>
+              <a:t>/local/</a:t>
+            </a:r>
+            <a:r>
+              <a:rPr lang="en-IN" dirty="0" err="1"/>
+              <a:t>scala</a:t>
+            </a:r>
+            <a:r>
+              <a:rPr lang="en-IN" dirty="0"/>
+              <a:t> hadoop@datanode1:/</a:t>
             </a:r>
             <a:r>
               <a:rPr lang="en-IN" dirty="0" err="1"/>
@@ -5920,7 +6025,15 @@
             </a:r>
             <a:r>
               <a:rPr lang="en-IN" dirty="0"/>
-              <a:t>/local/spark Hadoop@dtaanode2:/</a:t>
+              <a:t>/local/</a:t>
+            </a:r>
+            <a:r>
+              <a:rPr lang="en-IN" dirty="0" err="1"/>
+              <a:t>scala</a:t>
+            </a:r>
+            <a:r>
+              <a:rPr lang="en-IN" dirty="0"/>
+              <a:t> Hadoop@dtaanode2:/</a:t>
             </a:r>
             <a:r>
               <a:rPr lang="en-IN" dirty="0" err="1"/>

--- a/sparkscala.pptx
+++ b/sparkscala.pptx
@@ -14,7 +14,19 @@
     <p:sldId id="304" r:id="rId8"/>
     <p:sldId id="305" r:id="rId9"/>
     <p:sldId id="307" r:id="rId10"/>
-    <p:sldId id="306" r:id="rId11"/>
+    <p:sldId id="308" r:id="rId11"/>
+    <p:sldId id="309" r:id="rId12"/>
+    <p:sldId id="311" r:id="rId13"/>
+    <p:sldId id="312" r:id="rId14"/>
+    <p:sldId id="322" r:id="rId15"/>
+    <p:sldId id="313" r:id="rId16"/>
+    <p:sldId id="314" r:id="rId17"/>
+    <p:sldId id="315" r:id="rId18"/>
+    <p:sldId id="316" r:id="rId19"/>
+    <p:sldId id="317" r:id="rId20"/>
+    <p:sldId id="319" r:id="rId21"/>
+    <p:sldId id="320" r:id="rId22"/>
+    <p:sldId id="321" r:id="rId23"/>
   </p:sldIdLst>
   <p:sldSz cx="12192000" cy="6858000"/>
   <p:notesSz cx="6858000" cy="9144000"/>
@@ -3477,10 +3489,2917 @@
           <a:chExt cx="0" cy="0"/>
         </a:xfrm>
       </p:grpSpPr>
+      <p:sp>
+        <p:nvSpPr>
+          <p:cNvPr id="2" name="TextBox 1">
+            <a:extLst>
+              <a:ext uri="{FF2B5EF4-FFF2-40B4-BE49-F238E27FC236}">
+                <a16:creationId xmlns:a16="http://schemas.microsoft.com/office/drawing/2014/main" id="{478F8B7A-3065-4C96-9776-389059E8C19C}"/>
+              </a:ext>
+            </a:extLst>
+          </p:cNvPr>
+          <p:cNvSpPr txBox="1"/>
+          <p:nvPr/>
+        </p:nvSpPr>
+        <p:spPr>
+          <a:xfrm>
+            <a:off x="2952017" y="417546"/>
+            <a:ext cx="7141552" cy="584775"/>
+          </a:xfrm>
+          <a:prstGeom prst="rect">
+            <a:avLst/>
+          </a:prstGeom>
+          <a:noFill/>
+        </p:spPr>
+        <p:txBody>
+          <a:bodyPr wrap="square" rtlCol="0">
+            <a:spAutoFit/>
+          </a:bodyPr>
+          <a:lstStyle/>
+          <a:p>
+            <a:r>
+              <a:rPr lang="en-IN" sz="3200" b="1" dirty="0"/>
+              <a:t>Data Representation</a:t>
+            </a:r>
+          </a:p>
+        </p:txBody>
+      </p:sp>
+      <p:sp>
+        <p:nvSpPr>
+          <p:cNvPr id="3" name="TextBox 2">
+            <a:extLst>
+              <a:ext uri="{FF2B5EF4-FFF2-40B4-BE49-F238E27FC236}">
+                <a16:creationId xmlns:a16="http://schemas.microsoft.com/office/drawing/2014/main" id="{8401DDFD-AAC4-45D6-8461-7B1AAE041AD6}"/>
+              </a:ext>
+            </a:extLst>
+          </p:cNvPr>
+          <p:cNvSpPr txBox="1"/>
+          <p:nvPr/>
+        </p:nvSpPr>
+        <p:spPr>
+          <a:xfrm>
+            <a:off x="468923" y="1002321"/>
+            <a:ext cx="9624646" cy="5570756"/>
+          </a:xfrm>
+          <a:prstGeom prst="rect">
+            <a:avLst/>
+          </a:prstGeom>
+          <a:noFill/>
+        </p:spPr>
+        <p:txBody>
+          <a:bodyPr wrap="square" rtlCol="0">
+            <a:spAutoFit/>
+          </a:bodyPr>
+          <a:lstStyle/>
+          <a:p>
+            <a:endParaRPr lang="en-IN" dirty="0"/>
+          </a:p>
+          <a:p>
+            <a:endParaRPr lang="en-IN" dirty="0"/>
+          </a:p>
+          <a:p>
+            <a:r>
+              <a:rPr lang="en-IN" b="1" dirty="0"/>
+              <a:t>RDD –</a:t>
+            </a:r>
+            <a:r>
+              <a:rPr lang="en-IN" dirty="0"/>
+              <a:t> RDD is a distributed collection of data elements spread across many machines in the cluster. RDDs are a set of Java or </a:t>
+            </a:r>
+            <a:r>
+              <a:rPr lang="en-IN" b="1" dirty="0"/>
+              <a:t>Scala</a:t>
+            </a:r>
+            <a:r>
+              <a:rPr lang="en-IN" dirty="0"/>
+              <a:t> objects representing data.</a:t>
+            </a:r>
+          </a:p>
+          <a:p>
+            <a:endParaRPr lang="en-IN" dirty="0"/>
+          </a:p>
+          <a:p>
+            <a:r>
+              <a:rPr lang="en-IN" b="1" dirty="0" err="1"/>
+              <a:t>DataFrame</a:t>
+            </a:r>
+            <a:r>
+              <a:rPr lang="en-IN" b="1" dirty="0"/>
+              <a:t> –</a:t>
+            </a:r>
+            <a:r>
+              <a:rPr lang="en-IN" dirty="0"/>
+              <a:t> A </a:t>
+            </a:r>
+            <a:r>
+              <a:rPr lang="en-IN" dirty="0" err="1"/>
+              <a:t>DataFrame</a:t>
+            </a:r>
+            <a:r>
+              <a:rPr lang="en-IN" dirty="0"/>
+              <a:t> is a distributed collection of data organized into named columns. It is conceptually equal to a table in a relational database.</a:t>
+            </a:r>
+          </a:p>
+          <a:p>
+            <a:endParaRPr lang="en-IN" dirty="0"/>
+          </a:p>
+          <a:p>
+            <a:r>
+              <a:rPr lang="en-IN" b="1" dirty="0" err="1"/>
+              <a:t>DataSet</a:t>
+            </a:r>
+            <a:r>
+              <a:rPr lang="en-IN" b="1" dirty="0"/>
+              <a:t> –</a:t>
+            </a:r>
+            <a:r>
+              <a:rPr lang="en-IN" dirty="0"/>
+              <a:t> It is an extension of </a:t>
+            </a:r>
+            <a:r>
+              <a:rPr lang="en-IN" dirty="0" err="1"/>
+              <a:t>DataFrame</a:t>
+            </a:r>
+            <a:r>
+              <a:rPr lang="en-IN" dirty="0"/>
+              <a:t> API that provides the functionality of – type-safe, object-oriented programming interface of the RDD API and performance benefits of the Catalyst query optimizer and off heap storage mechanism of a </a:t>
+            </a:r>
+            <a:r>
+              <a:rPr lang="en-IN" dirty="0" err="1"/>
+              <a:t>DataFrame</a:t>
+            </a:r>
+            <a:r>
+              <a:rPr lang="en-IN" dirty="0"/>
+              <a:t> API</a:t>
+            </a:r>
+          </a:p>
+          <a:p>
+            <a:endParaRPr lang="en-IN" sz="1400" dirty="0"/>
+          </a:p>
+          <a:p>
+            <a:endParaRPr lang="en-IN" dirty="0"/>
+          </a:p>
+          <a:p>
+            <a:endParaRPr lang="en-IN" dirty="0"/>
+          </a:p>
+          <a:p>
+            <a:r>
+              <a:rPr lang="en-IN" dirty="0"/>
+              <a:t> </a:t>
+            </a:r>
+          </a:p>
+          <a:p>
+            <a:r>
+              <a:rPr lang="en-IN" dirty="0"/>
+              <a:t> </a:t>
+            </a:r>
+          </a:p>
+          <a:p>
+            <a:endParaRPr lang="en-IN" dirty="0"/>
+          </a:p>
+          <a:p>
+            <a:r>
+              <a:rPr lang="en-IN" dirty="0"/>
+              <a:t>  </a:t>
+            </a:r>
+          </a:p>
+          <a:p>
+            <a:endParaRPr lang="en-IN" dirty="0"/>
+          </a:p>
+          <a:p>
+            <a:endParaRPr lang="en-IN" dirty="0"/>
+          </a:p>
+        </p:txBody>
+      </p:sp>
+      <p:sp>
+        <p:nvSpPr>
+          <p:cNvPr id="5" name="Rectangle 2">
+            <a:extLst>
+              <a:ext uri="{FF2B5EF4-FFF2-40B4-BE49-F238E27FC236}">
+                <a16:creationId xmlns:a16="http://schemas.microsoft.com/office/drawing/2014/main" id="{DAD9B6C0-BAA9-4211-BB04-10D866CDB46A}"/>
+              </a:ext>
+            </a:extLst>
+          </p:cNvPr>
+          <p:cNvSpPr>
+            <a:spLocks noChangeArrowheads="1"/>
+          </p:cNvSpPr>
+          <p:nvPr/>
+        </p:nvSpPr>
+        <p:spPr bwMode="auto">
+          <a:xfrm>
+            <a:off x="0" y="0"/>
+            <a:ext cx="12192000" cy="457200"/>
+          </a:xfrm>
+          <a:prstGeom prst="rect">
+            <a:avLst/>
+          </a:prstGeom>
+          <a:noFill/>
+          <a:ln>
+            <a:noFill/>
+          </a:ln>
+          <a:effectLst/>
+          <a:extLst>
+            <a:ext uri="{909E8E84-426E-40DD-AFC4-6F175D3DCCD1}">
+              <a14:hiddenFill xmlns:a14="http://schemas.microsoft.com/office/drawing/2010/main">
+                <a:solidFill>
+                  <a:schemeClr val="accent1"/>
+                </a:solidFill>
+              </a14:hiddenFill>
+            </a:ext>
+            <a:ext uri="{91240B29-F687-4F45-9708-019B960494DF}">
+              <a14:hiddenLine xmlns:a14="http://schemas.microsoft.com/office/drawing/2010/main" w="9525">
+                <a:solidFill>
+                  <a:schemeClr val="tx1"/>
+                </a:solidFill>
+                <a:miter lim="800000"/>
+                <a:headEnd/>
+                <a:tailEnd/>
+              </a14:hiddenLine>
+            </a:ext>
+            <a:ext uri="{AF507438-7753-43E0-B8FC-AC1667EBCBE1}">
+              <a14:hiddenEffects xmlns:a14="http://schemas.microsoft.com/office/drawing/2010/main">
+                <a:effectLst>
+                  <a:outerShdw dist="35921" dir="2700000" algn="ctr" rotWithShape="0">
+                    <a:schemeClr val="bg2"/>
+                  </a:outerShdw>
+                </a:effectLst>
+              </a14:hiddenEffects>
+            </a:ext>
+          </a:extLst>
+        </p:spPr>
+        <p:txBody>
+          <a:bodyPr vert="horz" wrap="none" lIns="0" tIns="0" rIns="0" bIns="0" numCol="1" anchor="ctr" anchorCtr="0" compatLnSpc="1">
+            <a:prstTxWarp prst="textNoShape">
+              <a:avLst/>
+            </a:prstTxWarp>
+            <a:spAutoFit/>
+          </a:bodyPr>
+          <a:lstStyle/>
+          <a:p>
+            <a:pPr marL="0" marR="0" lvl="0" indent="0" algn="just" defTabSz="914400" rtl="0" eaLnBrk="0" fontAlgn="base" latinLnBrk="0" hangingPunct="0">
+              <a:lnSpc>
+                <a:spcPct val="100000"/>
+              </a:lnSpc>
+              <a:spcBef>
+                <a:spcPct val="0"/>
+              </a:spcBef>
+              <a:spcAft>
+                <a:spcPct val="0"/>
+              </a:spcAft>
+              <a:buClrTx/>
+              <a:buSzTx/>
+              <a:buFontTx/>
+              <a:buNone/>
+              <a:tabLst/>
+            </a:pPr>
+            <a:r>
+              <a:rPr kumimoji="0" lang="en-US" altLang="en-US" sz="1000" b="0" i="0" u="none" strike="noStrike" cap="none" normalizeH="0" baseline="0">
+                <a:ln>
+                  <a:noFill/>
+                </a:ln>
+                <a:solidFill>
+                  <a:srgbClr val="FFFFFF"/>
+                </a:solidFill>
+                <a:effectLst/>
+                <a:latin typeface="Arial Unicode MS"/>
+              </a:rPr>
+              <a:t>cd</a:t>
+            </a:r>
+            <a:r>
+              <a:rPr kumimoji="0" lang="en-US" altLang="en-US" sz="1000" b="0" i="0" u="none" strike="noStrike" cap="none" normalizeH="0" baseline="0">
+                <a:ln>
+                  <a:noFill/>
+                </a:ln>
+                <a:solidFill>
+                  <a:srgbClr val="595959"/>
+                </a:solidFill>
+                <a:effectLst/>
+                <a:latin typeface="Arial Unicode MS"/>
+              </a:rPr>
+              <a:t> </a:t>
+            </a:r>
+            <a:r>
+              <a:rPr kumimoji="0" lang="en-US" altLang="en-US" sz="1000" b="0" i="0" u="none" strike="noStrike" cap="none" normalizeH="0" baseline="0">
+                <a:ln>
+                  <a:noFill/>
+                </a:ln>
+                <a:solidFill>
+                  <a:srgbClr val="FFFFFF"/>
+                </a:solidFill>
+                <a:effectLst/>
+                <a:latin typeface="Arial Unicode MS"/>
+              </a:rPr>
+              <a:t>/usr/local/spark/conf</a:t>
+            </a:r>
+            <a:r>
+              <a:rPr kumimoji="0" lang="en-US" altLang="en-US" sz="800" b="0" i="0" u="none" strike="noStrike" cap="none" normalizeH="0" baseline="0">
+                <a:ln>
+                  <a:noFill/>
+                </a:ln>
+                <a:solidFill>
+                  <a:schemeClr val="tx1"/>
+                </a:solidFill>
+                <a:effectLst/>
+              </a:rPr>
+              <a:t> </a:t>
+            </a:r>
+            <a:endParaRPr kumimoji="0" lang="en-US" altLang="en-US" sz="1800" b="0" i="0" u="none" strike="noStrike" cap="none" normalizeH="0" baseline="0">
+              <a:ln>
+                <a:noFill/>
+              </a:ln>
+              <a:solidFill>
+                <a:schemeClr val="tx1"/>
+              </a:solidFill>
+              <a:effectLst/>
+              <a:latin typeface="Arial" panose="020B0604020202020204" pitchFamily="34" charset="0"/>
+            </a:endParaRPr>
+          </a:p>
+        </p:txBody>
+      </p:sp>
     </p:spTree>
     <p:extLst>
       <p:ext uri="{BB962C8B-B14F-4D97-AF65-F5344CB8AC3E}">
-        <p14:creationId xmlns:p14="http://schemas.microsoft.com/office/powerpoint/2010/main" val="2121153005"/>
+        <p14:creationId xmlns:p14="http://schemas.microsoft.com/office/powerpoint/2010/main" val="206915435"/>
+      </p:ext>
+    </p:extLst>
+  </p:cSld>
+  <p:clrMapOvr>
+    <a:masterClrMapping/>
+  </p:clrMapOvr>
+</p:sld>
+</file>
+
+<file path=ppt/slides/slide11.xml><?xml version="1.0" encoding="utf-8"?>
+<p:sld xmlns:a="http://schemas.openxmlformats.org/drawingml/2006/main" xmlns:r="http://schemas.openxmlformats.org/officeDocument/2006/relationships" xmlns:p="http://schemas.openxmlformats.org/presentationml/2006/main">
+  <p:cSld>
+    <p:spTree>
+      <p:nvGrpSpPr>
+        <p:cNvPr id="1" name=""/>
+        <p:cNvGrpSpPr/>
+        <p:nvPr/>
+      </p:nvGrpSpPr>
+      <p:grpSpPr>
+        <a:xfrm>
+          <a:off x="0" y="0"/>
+          <a:ext cx="0" cy="0"/>
+          <a:chOff x="0" y="0"/>
+          <a:chExt cx="0" cy="0"/>
+        </a:xfrm>
+      </p:grpSpPr>
+      <p:sp>
+        <p:nvSpPr>
+          <p:cNvPr id="2" name="TextBox 1">
+            <a:extLst>
+              <a:ext uri="{FF2B5EF4-FFF2-40B4-BE49-F238E27FC236}">
+                <a16:creationId xmlns:a16="http://schemas.microsoft.com/office/drawing/2014/main" id="{478F8B7A-3065-4C96-9776-389059E8C19C}"/>
+              </a:ext>
+            </a:extLst>
+          </p:cNvPr>
+          <p:cNvSpPr txBox="1"/>
+          <p:nvPr/>
+        </p:nvSpPr>
+        <p:spPr>
+          <a:xfrm>
+            <a:off x="2952017" y="417546"/>
+            <a:ext cx="7141552" cy="584775"/>
+          </a:xfrm>
+          <a:prstGeom prst="rect">
+            <a:avLst/>
+          </a:prstGeom>
+          <a:noFill/>
+        </p:spPr>
+        <p:txBody>
+          <a:bodyPr wrap="square" rtlCol="0">
+            <a:spAutoFit/>
+          </a:bodyPr>
+          <a:lstStyle/>
+          <a:p>
+            <a:r>
+              <a:rPr lang="en-IN" sz="3200" b="1" dirty="0"/>
+              <a:t>Scala Loading database from CSV</a:t>
+            </a:r>
+          </a:p>
+        </p:txBody>
+      </p:sp>
+      <p:sp>
+        <p:nvSpPr>
+          <p:cNvPr id="3" name="TextBox 2">
+            <a:extLst>
+              <a:ext uri="{FF2B5EF4-FFF2-40B4-BE49-F238E27FC236}">
+                <a16:creationId xmlns:a16="http://schemas.microsoft.com/office/drawing/2014/main" id="{8401DDFD-AAC4-45D6-8461-7B1AAE041AD6}"/>
+              </a:ext>
+            </a:extLst>
+          </p:cNvPr>
+          <p:cNvSpPr txBox="1"/>
+          <p:nvPr/>
+        </p:nvSpPr>
+        <p:spPr>
+          <a:xfrm>
+            <a:off x="468923" y="1002321"/>
+            <a:ext cx="11383108" cy="1815882"/>
+          </a:xfrm>
+          <a:prstGeom prst="rect">
+            <a:avLst/>
+          </a:prstGeom>
+          <a:noFill/>
+        </p:spPr>
+        <p:txBody>
+          <a:bodyPr wrap="square" rtlCol="0">
+            <a:spAutoFit/>
+          </a:bodyPr>
+          <a:lstStyle/>
+          <a:p>
+            <a:r>
+              <a:rPr lang="en-IN" sz="1600" dirty="0"/>
+              <a:t>import </a:t>
+            </a:r>
+            <a:r>
+              <a:rPr lang="en-IN" sz="1600" dirty="0" err="1"/>
+              <a:t>java.util.Properties</a:t>
+            </a:r>
+            <a:endParaRPr lang="en-IN" sz="1600" dirty="0"/>
+          </a:p>
+          <a:p>
+            <a:r>
+              <a:rPr lang="en-IN" sz="1600" dirty="0" err="1"/>
+              <a:t>val</a:t>
+            </a:r>
+            <a:r>
+              <a:rPr lang="en-IN" sz="1600" dirty="0"/>
+              <a:t> </a:t>
+            </a:r>
+            <a:r>
+              <a:rPr lang="en-IN" sz="1600" dirty="0" err="1"/>
+              <a:t>sqlContext</a:t>
+            </a:r>
+            <a:r>
+              <a:rPr lang="en-IN" sz="1600" dirty="0"/>
+              <a:t> = new </a:t>
+            </a:r>
+            <a:r>
+              <a:rPr lang="en-IN" sz="1600" dirty="0" err="1"/>
+              <a:t>org.apache.spark.sql.SQLContext</a:t>
+            </a:r>
+            <a:r>
+              <a:rPr lang="en-IN" sz="1600" dirty="0"/>
+              <a:t>(</a:t>
+            </a:r>
+            <a:r>
+              <a:rPr lang="en-IN" sz="1600" dirty="0" err="1"/>
+              <a:t>sc</a:t>
+            </a:r>
+            <a:r>
+              <a:rPr lang="en-IN" sz="1600" dirty="0"/>
+              <a:t>)</a:t>
+            </a:r>
+          </a:p>
+          <a:p>
+            <a:r>
+              <a:rPr lang="en-IN" sz="1600" dirty="0" err="1"/>
+              <a:t>val</a:t>
+            </a:r>
+            <a:r>
+              <a:rPr lang="en-IN" sz="1600" dirty="0"/>
+              <a:t> </a:t>
+            </a:r>
+            <a:r>
+              <a:rPr lang="en-IN" sz="1600" dirty="0" err="1"/>
+              <a:t>fn</a:t>
+            </a:r>
+            <a:r>
+              <a:rPr lang="en-IN" sz="1600" dirty="0"/>
+              <a:t> = </a:t>
+            </a:r>
+            <a:r>
+              <a:rPr lang="en-IN" sz="1600" dirty="0" err="1"/>
+              <a:t>sqlContext.read.format</a:t>
+            </a:r>
+            <a:r>
+              <a:rPr lang="en-IN" sz="1600" dirty="0"/>
+              <a:t>("com.databricks.spark.csv").option("</a:t>
+            </a:r>
+            <a:r>
+              <a:rPr lang="en-IN" sz="1600" dirty="0" err="1"/>
+              <a:t>header","true</a:t>
+            </a:r>
+            <a:r>
+              <a:rPr lang="en-IN" sz="1600" dirty="0"/>
+              <a:t>").option("</a:t>
+            </a:r>
+            <a:r>
+              <a:rPr lang="en-IN" sz="1600" dirty="0" err="1"/>
+              <a:t>inferchema</a:t>
+            </a:r>
+            <a:r>
+              <a:rPr lang="en-IN" sz="1600" dirty="0"/>
+              <a:t>","true").load("/</a:t>
+            </a:r>
+            <a:r>
+              <a:rPr lang="en-IN" sz="1600" dirty="0" err="1"/>
+              <a:t>tmp</a:t>
+            </a:r>
+            <a:r>
+              <a:rPr lang="en-IN" sz="1600" dirty="0"/>
+              <a:t>/abc.csv")</a:t>
+            </a:r>
+          </a:p>
+          <a:p>
+            <a:r>
+              <a:rPr lang="en-IN" sz="1600" dirty="0" err="1"/>
+              <a:t>val</a:t>
+            </a:r>
+            <a:r>
+              <a:rPr lang="en-IN" sz="1600" dirty="0"/>
+              <a:t> prop = new Properties()</a:t>
+            </a:r>
+          </a:p>
+          <a:p>
+            <a:r>
+              <a:rPr lang="en-IN" sz="1600" dirty="0" err="1"/>
+              <a:t>prop.setProperty</a:t>
+            </a:r>
+            <a:r>
+              <a:rPr lang="en-IN" sz="1600" dirty="0"/>
+              <a:t>("user", "root")</a:t>
+            </a:r>
+          </a:p>
+          <a:p>
+            <a:r>
+              <a:rPr lang="en-IN" sz="1600" dirty="0" err="1"/>
+              <a:t>prop.setProperty</a:t>
+            </a:r>
+            <a:r>
+              <a:rPr lang="en-IN" sz="1600" dirty="0"/>
+              <a:t>("password", "</a:t>
+            </a:r>
+            <a:r>
+              <a:rPr lang="en-IN" sz="1600" dirty="0" err="1"/>
+              <a:t>hadoop</a:t>
+            </a:r>
+            <a:r>
+              <a:rPr lang="en-IN" sz="1600" dirty="0"/>
+              <a:t>")</a:t>
+            </a:r>
+          </a:p>
+          <a:p>
+            <a:r>
+              <a:rPr lang="en-IN" sz="1600" dirty="0" err="1"/>
+              <a:t>fn.write.mode</a:t>
+            </a:r>
+            <a:r>
+              <a:rPr lang="en-IN" sz="1600" dirty="0"/>
+              <a:t>("append").option("Driver", "</a:t>
+            </a:r>
+            <a:r>
+              <a:rPr lang="en-IN" sz="1600" dirty="0" err="1"/>
+              <a:t>com.mysql.jdbc.Driver</a:t>
+            </a:r>
+            <a:r>
+              <a:rPr lang="en-IN" sz="1600" dirty="0"/>
+              <a:t>").</a:t>
+            </a:r>
+            <a:r>
+              <a:rPr lang="en-IN" sz="1600" dirty="0" err="1"/>
+              <a:t>jdbc</a:t>
+            </a:r>
+            <a:r>
+              <a:rPr lang="en-IN" sz="1600" dirty="0"/>
+              <a:t>(</a:t>
+            </a:r>
+            <a:r>
+              <a:rPr lang="en-IN" sz="1600" dirty="0" err="1"/>
+              <a:t>s"jdbc:mysql</a:t>
+            </a:r>
+            <a:r>
+              <a:rPr lang="en-IN" sz="1600" dirty="0"/>
+              <a:t>://namenode1:3306/test", "</a:t>
+            </a:r>
+            <a:r>
+              <a:rPr lang="en-IN" sz="1600" dirty="0" err="1"/>
+              <a:t>c",prop</a:t>
+            </a:r>
+            <a:r>
+              <a:rPr lang="en-IN" sz="1600" dirty="0"/>
+              <a:t>)</a:t>
+            </a:r>
+          </a:p>
+        </p:txBody>
+      </p:sp>
+      <p:pic>
+        <p:nvPicPr>
+          <p:cNvPr id="4" name="Picture 3">
+            <a:extLst>
+              <a:ext uri="{FF2B5EF4-FFF2-40B4-BE49-F238E27FC236}">
+                <a16:creationId xmlns:a16="http://schemas.microsoft.com/office/drawing/2014/main" id="{E97414F2-E1BF-46A6-80C1-758D8F0B2D6C}"/>
+              </a:ext>
+            </a:extLst>
+          </p:cNvPr>
+          <p:cNvPicPr>
+            <a:picLocks noChangeAspect="1"/>
+          </p:cNvPicPr>
+          <p:nvPr/>
+        </p:nvPicPr>
+        <p:blipFill>
+          <a:blip r:embed="rId2"/>
+          <a:stretch>
+            <a:fillRect/>
+          </a:stretch>
+        </p:blipFill>
+        <p:spPr>
+          <a:xfrm>
+            <a:off x="0" y="2999119"/>
+            <a:ext cx="12192000" cy="3655716"/>
+          </a:xfrm>
+          <a:prstGeom prst="rect">
+            <a:avLst/>
+          </a:prstGeom>
+        </p:spPr>
+      </p:pic>
+    </p:spTree>
+    <p:extLst>
+      <p:ext uri="{BB962C8B-B14F-4D97-AF65-F5344CB8AC3E}">
+        <p14:creationId xmlns:p14="http://schemas.microsoft.com/office/powerpoint/2010/main" val="3569016515"/>
+      </p:ext>
+    </p:extLst>
+  </p:cSld>
+  <p:clrMapOvr>
+    <a:masterClrMapping/>
+  </p:clrMapOvr>
+</p:sld>
+</file>
+
+<file path=ppt/slides/slide12.xml><?xml version="1.0" encoding="utf-8"?>
+<p:sld xmlns:a="http://schemas.openxmlformats.org/drawingml/2006/main" xmlns:r="http://schemas.openxmlformats.org/officeDocument/2006/relationships" xmlns:p="http://schemas.openxmlformats.org/presentationml/2006/main">
+  <p:cSld>
+    <p:spTree>
+      <p:nvGrpSpPr>
+        <p:cNvPr id="1" name=""/>
+        <p:cNvGrpSpPr/>
+        <p:nvPr/>
+      </p:nvGrpSpPr>
+      <p:grpSpPr>
+        <a:xfrm>
+          <a:off x="0" y="0"/>
+          <a:ext cx="0" cy="0"/>
+          <a:chOff x="0" y="0"/>
+          <a:chExt cx="0" cy="0"/>
+        </a:xfrm>
+      </p:grpSpPr>
+      <p:sp>
+        <p:nvSpPr>
+          <p:cNvPr id="2" name="TextBox 1">
+            <a:extLst>
+              <a:ext uri="{FF2B5EF4-FFF2-40B4-BE49-F238E27FC236}">
+                <a16:creationId xmlns:a16="http://schemas.microsoft.com/office/drawing/2014/main" id="{478F8B7A-3065-4C96-9776-389059E8C19C}"/>
+              </a:ext>
+            </a:extLst>
+          </p:cNvPr>
+          <p:cNvSpPr txBox="1"/>
+          <p:nvPr/>
+        </p:nvSpPr>
+        <p:spPr>
+          <a:xfrm>
+            <a:off x="2952017" y="417546"/>
+            <a:ext cx="7141552" cy="584775"/>
+          </a:xfrm>
+          <a:prstGeom prst="rect">
+            <a:avLst/>
+          </a:prstGeom>
+          <a:noFill/>
+        </p:spPr>
+        <p:txBody>
+          <a:bodyPr wrap="square" rtlCol="0">
+            <a:spAutoFit/>
+          </a:bodyPr>
+          <a:lstStyle/>
+          <a:p>
+            <a:r>
+              <a:rPr lang="en-IN" sz="3200" b="1" dirty="0"/>
+              <a:t>Scala using with clause </a:t>
+            </a:r>
+          </a:p>
+        </p:txBody>
+      </p:sp>
+      <p:sp>
+        <p:nvSpPr>
+          <p:cNvPr id="3" name="TextBox 2">
+            <a:extLst>
+              <a:ext uri="{FF2B5EF4-FFF2-40B4-BE49-F238E27FC236}">
+                <a16:creationId xmlns:a16="http://schemas.microsoft.com/office/drawing/2014/main" id="{8401DDFD-AAC4-45D6-8461-7B1AAE041AD6}"/>
+              </a:ext>
+            </a:extLst>
+          </p:cNvPr>
+          <p:cNvSpPr txBox="1"/>
+          <p:nvPr/>
+        </p:nvSpPr>
+        <p:spPr>
+          <a:xfrm>
+            <a:off x="468923" y="1002321"/>
+            <a:ext cx="11383108" cy="338554"/>
+          </a:xfrm>
+          <a:prstGeom prst="rect">
+            <a:avLst/>
+          </a:prstGeom>
+          <a:noFill/>
+        </p:spPr>
+        <p:txBody>
+          <a:bodyPr wrap="square" rtlCol="0">
+            <a:spAutoFit/>
+          </a:bodyPr>
+          <a:lstStyle/>
+          <a:p>
+            <a:r>
+              <a:rPr lang="en-IN" sz="1600" dirty="0" err="1"/>
+              <a:t>val</a:t>
+            </a:r>
+            <a:r>
+              <a:rPr lang="en-IN" sz="1600" dirty="0"/>
+              <a:t> df2 = df1.withColumn("</a:t>
+            </a:r>
+            <a:r>
+              <a:rPr lang="en-IN" sz="1600" dirty="0" err="1"/>
+              <a:t>mobile",lit</a:t>
+            </a:r>
+            <a:r>
+              <a:rPr lang="en-IN" sz="1600" dirty="0"/>
+              <a:t>("9878676757  "))</a:t>
+            </a:r>
+          </a:p>
+        </p:txBody>
+      </p:sp>
+      <p:pic>
+        <p:nvPicPr>
+          <p:cNvPr id="5" name="Picture 4">
+            <a:extLst>
+              <a:ext uri="{FF2B5EF4-FFF2-40B4-BE49-F238E27FC236}">
+                <a16:creationId xmlns:a16="http://schemas.microsoft.com/office/drawing/2014/main" id="{E83C5554-6A82-44B5-A691-1B97EDE949DE}"/>
+              </a:ext>
+            </a:extLst>
+          </p:cNvPr>
+          <p:cNvPicPr>
+            <a:picLocks noChangeAspect="1"/>
+          </p:cNvPicPr>
+          <p:nvPr/>
+        </p:nvPicPr>
+        <p:blipFill>
+          <a:blip r:embed="rId2"/>
+          <a:stretch>
+            <a:fillRect/>
+          </a:stretch>
+        </p:blipFill>
+        <p:spPr>
+          <a:xfrm>
+            <a:off x="64477" y="1692758"/>
+            <a:ext cx="12192000" cy="1204067"/>
+          </a:xfrm>
+          <a:prstGeom prst="rect">
+            <a:avLst/>
+          </a:prstGeom>
+        </p:spPr>
+      </p:pic>
+    </p:spTree>
+    <p:extLst>
+      <p:ext uri="{BB962C8B-B14F-4D97-AF65-F5344CB8AC3E}">
+        <p14:creationId xmlns:p14="http://schemas.microsoft.com/office/powerpoint/2010/main" val="3865386018"/>
+      </p:ext>
+    </p:extLst>
+  </p:cSld>
+  <p:clrMapOvr>
+    <a:masterClrMapping/>
+  </p:clrMapOvr>
+</p:sld>
+</file>
+
+<file path=ppt/slides/slide13.xml><?xml version="1.0" encoding="utf-8"?>
+<p:sld xmlns:a="http://schemas.openxmlformats.org/drawingml/2006/main" xmlns:r="http://schemas.openxmlformats.org/officeDocument/2006/relationships" xmlns:p="http://schemas.openxmlformats.org/presentationml/2006/main">
+  <p:cSld>
+    <p:spTree>
+      <p:nvGrpSpPr>
+        <p:cNvPr id="1" name=""/>
+        <p:cNvGrpSpPr/>
+        <p:nvPr/>
+      </p:nvGrpSpPr>
+      <p:grpSpPr>
+        <a:xfrm>
+          <a:off x="0" y="0"/>
+          <a:ext cx="0" cy="0"/>
+          <a:chOff x="0" y="0"/>
+          <a:chExt cx="0" cy="0"/>
+        </a:xfrm>
+      </p:grpSpPr>
+      <p:sp>
+        <p:nvSpPr>
+          <p:cNvPr id="2" name="TextBox 1">
+            <a:extLst>
+              <a:ext uri="{FF2B5EF4-FFF2-40B4-BE49-F238E27FC236}">
+                <a16:creationId xmlns:a16="http://schemas.microsoft.com/office/drawing/2014/main" id="{478F8B7A-3065-4C96-9776-389059E8C19C}"/>
+              </a:ext>
+            </a:extLst>
+          </p:cNvPr>
+          <p:cNvSpPr txBox="1"/>
+          <p:nvPr/>
+        </p:nvSpPr>
+        <p:spPr>
+          <a:xfrm>
+            <a:off x="2952017" y="417546"/>
+            <a:ext cx="7141552" cy="584775"/>
+          </a:xfrm>
+          <a:prstGeom prst="rect">
+            <a:avLst/>
+          </a:prstGeom>
+          <a:noFill/>
+        </p:spPr>
+        <p:txBody>
+          <a:bodyPr wrap="square" rtlCol="0">
+            <a:spAutoFit/>
+          </a:bodyPr>
+          <a:lstStyle/>
+          <a:p>
+            <a:r>
+              <a:rPr lang="en-IN" sz="3200" b="1" dirty="0"/>
+              <a:t>Scala Transformation</a:t>
+            </a:r>
+          </a:p>
+        </p:txBody>
+      </p:sp>
+      <p:sp>
+        <p:nvSpPr>
+          <p:cNvPr id="3" name="TextBox 2">
+            <a:extLst>
+              <a:ext uri="{FF2B5EF4-FFF2-40B4-BE49-F238E27FC236}">
+                <a16:creationId xmlns:a16="http://schemas.microsoft.com/office/drawing/2014/main" id="{8401DDFD-AAC4-45D6-8461-7B1AAE041AD6}"/>
+              </a:ext>
+            </a:extLst>
+          </p:cNvPr>
+          <p:cNvSpPr txBox="1"/>
+          <p:nvPr/>
+        </p:nvSpPr>
+        <p:spPr>
+          <a:xfrm>
+            <a:off x="468923" y="1002321"/>
+            <a:ext cx="11383108" cy="5909310"/>
+          </a:xfrm>
+          <a:prstGeom prst="rect">
+            <a:avLst/>
+          </a:prstGeom>
+          <a:noFill/>
+        </p:spPr>
+        <p:txBody>
+          <a:bodyPr wrap="square" rtlCol="0">
+            <a:spAutoFit/>
+          </a:bodyPr>
+          <a:lstStyle/>
+          <a:p>
+            <a:r>
+              <a:rPr lang="en-IN" b="1" dirty="0"/>
+              <a:t>map(</a:t>
+            </a:r>
+            <a:r>
+              <a:rPr lang="en-IN" b="1" dirty="0" err="1"/>
+              <a:t>func</a:t>
+            </a:r>
+            <a:r>
+              <a:rPr lang="en-IN" b="1" dirty="0"/>
+              <a:t>)</a:t>
+            </a:r>
+          </a:p>
+          <a:p>
+            <a:r>
+              <a:rPr lang="en-IN" dirty="0"/>
+              <a:t>The map function iterates over every line in RDD and split into new RDD. Using </a:t>
+            </a:r>
+            <a:r>
+              <a:rPr lang="en-IN" b="1" dirty="0"/>
+              <a:t>map()</a:t>
+            </a:r>
+            <a:r>
+              <a:rPr lang="en-IN" dirty="0"/>
+              <a:t> transformation we take in any function, and that function is applied to every element of RDD.</a:t>
+            </a:r>
+          </a:p>
+          <a:p>
+            <a:endParaRPr lang="en-IN" dirty="0"/>
+          </a:p>
+          <a:p>
+            <a:endParaRPr lang="en-IN" dirty="0"/>
+          </a:p>
+          <a:p>
+            <a:endParaRPr lang="en-IN" dirty="0"/>
+          </a:p>
+          <a:p>
+            <a:r>
+              <a:rPr lang="en-IN" dirty="0" err="1"/>
+              <a:t>val</a:t>
+            </a:r>
+            <a:r>
+              <a:rPr lang="en-IN" dirty="0"/>
+              <a:t> data = </a:t>
+            </a:r>
+            <a:r>
+              <a:rPr lang="en-IN" dirty="0" err="1"/>
+              <a:t>spark.read.textFile</a:t>
+            </a:r>
+            <a:r>
+              <a:rPr lang="en-IN" dirty="0"/>
+              <a:t>("spark_test.txt").</a:t>
+            </a:r>
+            <a:r>
+              <a:rPr lang="en-IN" dirty="0" err="1"/>
+              <a:t>rdd</a:t>
+            </a:r>
+            <a:endParaRPr lang="en-IN" dirty="0"/>
+          </a:p>
+          <a:p>
+            <a:r>
+              <a:rPr lang="en-IN" dirty="0" err="1"/>
+              <a:t>val</a:t>
+            </a:r>
+            <a:r>
+              <a:rPr lang="en-IN" dirty="0"/>
+              <a:t> </a:t>
+            </a:r>
+            <a:r>
+              <a:rPr lang="en-IN" dirty="0" err="1"/>
+              <a:t>mapFile</a:t>
+            </a:r>
+            <a:r>
+              <a:rPr lang="en-IN" dirty="0"/>
+              <a:t> = </a:t>
+            </a:r>
+            <a:r>
+              <a:rPr lang="en-IN" dirty="0" err="1"/>
+              <a:t>data.map</a:t>
+            </a:r>
+            <a:r>
+              <a:rPr lang="en-IN" dirty="0"/>
+              <a:t>(line =&gt; (</a:t>
+            </a:r>
+            <a:r>
+              <a:rPr lang="en-IN" dirty="0" err="1"/>
+              <a:t>line,line.length</a:t>
+            </a:r>
+            <a:r>
+              <a:rPr lang="en-IN" dirty="0"/>
+              <a:t>))</a:t>
+            </a:r>
+          </a:p>
+          <a:p>
+            <a:endParaRPr lang="en-IN" dirty="0"/>
+          </a:p>
+          <a:p>
+            <a:endParaRPr lang="en-IN" dirty="0"/>
+          </a:p>
+          <a:p>
+            <a:r>
+              <a:rPr lang="en-IN" b="1" dirty="0" err="1"/>
+              <a:t>flatMap</a:t>
+            </a:r>
+            <a:r>
+              <a:rPr lang="en-IN" b="1" dirty="0"/>
+              <a:t>()</a:t>
+            </a:r>
+          </a:p>
+          <a:p>
+            <a:r>
+              <a:rPr lang="en-IN" dirty="0"/>
+              <a:t>With the help of </a:t>
+            </a:r>
+            <a:r>
+              <a:rPr lang="en-IN" b="1" dirty="0" err="1"/>
+              <a:t>flatMap</a:t>
+            </a:r>
+            <a:r>
+              <a:rPr lang="en-IN" b="1" dirty="0"/>
+              <a:t>()</a:t>
+            </a:r>
+            <a:r>
+              <a:rPr lang="en-IN" dirty="0"/>
+              <a:t> function, to each input element, we have many elements in an output RDD. The most simple use of </a:t>
+            </a:r>
+            <a:r>
+              <a:rPr lang="en-IN" dirty="0" err="1"/>
+              <a:t>flatMap</a:t>
+            </a:r>
+            <a:r>
+              <a:rPr lang="en-IN" dirty="0"/>
+              <a:t>() is to split each input string into words.</a:t>
+            </a:r>
+          </a:p>
+          <a:p>
+            <a:endParaRPr lang="en-IN" dirty="0"/>
+          </a:p>
+          <a:p>
+            <a:r>
+              <a:rPr lang="en-IN" dirty="0" err="1"/>
+              <a:t>val</a:t>
+            </a:r>
+            <a:r>
+              <a:rPr lang="en-IN" dirty="0"/>
+              <a:t> data = </a:t>
+            </a:r>
+            <a:r>
+              <a:rPr lang="en-IN" dirty="0" err="1"/>
+              <a:t>spark.read.textFile</a:t>
+            </a:r>
+            <a:r>
+              <a:rPr lang="en-IN" dirty="0"/>
+              <a:t>("spark_test.txt").</a:t>
+            </a:r>
+            <a:r>
+              <a:rPr lang="en-IN" dirty="0" err="1"/>
+              <a:t>rdd</a:t>
+            </a:r>
+            <a:endParaRPr lang="en-IN" dirty="0"/>
+          </a:p>
+          <a:p>
+            <a:r>
+              <a:rPr lang="en-IN" dirty="0" err="1"/>
+              <a:t>val</a:t>
+            </a:r>
+            <a:r>
+              <a:rPr lang="en-IN" dirty="0"/>
+              <a:t> </a:t>
+            </a:r>
+            <a:r>
+              <a:rPr lang="en-IN" dirty="0" err="1"/>
+              <a:t>flatmapFile</a:t>
+            </a:r>
+            <a:r>
+              <a:rPr lang="en-IN" dirty="0"/>
+              <a:t> = </a:t>
+            </a:r>
+            <a:r>
+              <a:rPr lang="en-IN" dirty="0" err="1"/>
+              <a:t>data.flatMap</a:t>
+            </a:r>
+            <a:r>
+              <a:rPr lang="en-IN" dirty="0"/>
+              <a:t>(lines =&gt; </a:t>
+            </a:r>
+            <a:r>
+              <a:rPr lang="en-IN" dirty="0" err="1"/>
+              <a:t>lines.split</a:t>
+            </a:r>
+            <a:r>
+              <a:rPr lang="en-IN" dirty="0"/>
+              <a:t>(" "))</a:t>
+            </a:r>
+          </a:p>
+          <a:p>
+            <a:endParaRPr lang="en-IN" dirty="0"/>
+          </a:p>
+          <a:p>
+            <a:endParaRPr lang="en-IN" dirty="0"/>
+          </a:p>
+          <a:p>
+            <a:endParaRPr lang="en-IN" dirty="0"/>
+          </a:p>
+          <a:p>
+            <a:endParaRPr lang="en-IN" dirty="0"/>
+          </a:p>
+          <a:p>
+            <a:endParaRPr lang="en-IN" dirty="0"/>
+          </a:p>
+        </p:txBody>
+      </p:sp>
+    </p:spTree>
+    <p:extLst>
+      <p:ext uri="{BB962C8B-B14F-4D97-AF65-F5344CB8AC3E}">
+        <p14:creationId xmlns:p14="http://schemas.microsoft.com/office/powerpoint/2010/main" val="81835626"/>
+      </p:ext>
+    </p:extLst>
+  </p:cSld>
+  <p:clrMapOvr>
+    <a:masterClrMapping/>
+  </p:clrMapOvr>
+</p:sld>
+</file>
+
+<file path=ppt/slides/slide14.xml><?xml version="1.0" encoding="utf-8"?>
+<p:sld xmlns:a="http://schemas.openxmlformats.org/drawingml/2006/main" xmlns:r="http://schemas.openxmlformats.org/officeDocument/2006/relationships" xmlns:p="http://schemas.openxmlformats.org/presentationml/2006/main">
+  <p:cSld>
+    <p:spTree>
+      <p:nvGrpSpPr>
+        <p:cNvPr id="1" name=""/>
+        <p:cNvGrpSpPr/>
+        <p:nvPr/>
+      </p:nvGrpSpPr>
+      <p:grpSpPr>
+        <a:xfrm>
+          <a:off x="0" y="0"/>
+          <a:ext cx="0" cy="0"/>
+          <a:chOff x="0" y="0"/>
+          <a:chExt cx="0" cy="0"/>
+        </a:xfrm>
+      </p:grpSpPr>
+      <p:sp>
+        <p:nvSpPr>
+          <p:cNvPr id="3" name="TextBox 2">
+            <a:extLst>
+              <a:ext uri="{FF2B5EF4-FFF2-40B4-BE49-F238E27FC236}">
+                <a16:creationId xmlns:a16="http://schemas.microsoft.com/office/drawing/2014/main" id="{3853C3B6-2AD4-4723-AB47-89E69211ACFE}"/>
+              </a:ext>
+            </a:extLst>
+          </p:cNvPr>
+          <p:cNvSpPr txBox="1"/>
+          <p:nvPr/>
+        </p:nvSpPr>
+        <p:spPr>
+          <a:xfrm>
+            <a:off x="0" y="641837"/>
+            <a:ext cx="12107008" cy="1938992"/>
+          </a:xfrm>
+          <a:prstGeom prst="rect">
+            <a:avLst/>
+          </a:prstGeom>
+          <a:noFill/>
+        </p:spPr>
+        <p:txBody>
+          <a:bodyPr wrap="square" rtlCol="0">
+            <a:spAutoFit/>
+          </a:bodyPr>
+          <a:lstStyle/>
+          <a:p>
+            <a:r>
+              <a:rPr lang="en-IN" dirty="0"/>
+              <a:t>Create a file with 4 columns </a:t>
+            </a:r>
+          </a:p>
+          <a:p>
+            <a:endParaRPr lang="en-IN" dirty="0"/>
+          </a:p>
+          <a:p>
+            <a:r>
+              <a:rPr lang="en-IN" sz="1400" dirty="0" err="1"/>
+              <a:t>scala</a:t>
+            </a:r>
+            <a:r>
+              <a:rPr lang="en-IN" sz="1400" dirty="0"/>
+              <a:t>&gt; </a:t>
+            </a:r>
+            <a:r>
+              <a:rPr lang="en-IN" sz="1400" dirty="0" err="1"/>
+              <a:t>val</a:t>
+            </a:r>
+            <a:r>
+              <a:rPr lang="en-IN" sz="1400" dirty="0"/>
+              <a:t> </a:t>
+            </a:r>
+            <a:r>
+              <a:rPr lang="en-IN" sz="1400" dirty="0" err="1"/>
+              <a:t>datatab</a:t>
+            </a:r>
+            <a:r>
+              <a:rPr lang="en-IN" sz="1400" dirty="0"/>
+              <a:t> = </a:t>
+            </a:r>
+            <a:r>
+              <a:rPr lang="en-IN" sz="1400" dirty="0" err="1"/>
+              <a:t>spark.sparkContext.textFile</a:t>
+            </a:r>
+            <a:r>
+              <a:rPr lang="en-IN" sz="1400" dirty="0"/>
+              <a:t>("/</a:t>
+            </a:r>
+            <a:r>
+              <a:rPr lang="en-IN" sz="1400" dirty="0" err="1"/>
+              <a:t>tmp</a:t>
+            </a:r>
+            <a:r>
+              <a:rPr lang="en-IN" sz="1400" dirty="0"/>
+              <a:t>/tabdel.txt")</a:t>
+            </a:r>
+          </a:p>
+          <a:p>
+            <a:r>
+              <a:rPr lang="en-IN" sz="1400" dirty="0" err="1"/>
+              <a:t>scala</a:t>
+            </a:r>
+            <a:r>
+              <a:rPr lang="en-IN" sz="1400" dirty="0"/>
+              <a:t>&gt; </a:t>
+            </a:r>
+            <a:r>
+              <a:rPr lang="en-IN" sz="1400" dirty="0" err="1"/>
+              <a:t>datatab.collect</a:t>
+            </a:r>
+            <a:r>
+              <a:rPr lang="en-IN" sz="1400" dirty="0"/>
+              <a:t>()</a:t>
+            </a:r>
+          </a:p>
+          <a:p>
+            <a:r>
+              <a:rPr lang="en-IN" sz="1400" dirty="0" err="1"/>
+              <a:t>scala</a:t>
+            </a:r>
+            <a:r>
+              <a:rPr lang="en-IN" sz="1400" dirty="0"/>
+              <a:t>&gt; </a:t>
+            </a:r>
+            <a:r>
+              <a:rPr lang="en-IN" sz="1400" dirty="0" err="1"/>
+              <a:t>val</a:t>
+            </a:r>
+            <a:r>
+              <a:rPr lang="en-IN" sz="1400" dirty="0"/>
+              <a:t> schema = </a:t>
+            </a:r>
+            <a:r>
+              <a:rPr lang="en-IN" sz="1400" dirty="0" err="1"/>
+              <a:t>StructType</a:t>
+            </a:r>
+            <a:r>
+              <a:rPr lang="en-IN" sz="1400" dirty="0"/>
+              <a:t> ( List(</a:t>
+            </a:r>
+            <a:r>
+              <a:rPr lang="en-IN" sz="1400" dirty="0" err="1"/>
+              <a:t>StructField</a:t>
+            </a:r>
+            <a:r>
+              <a:rPr lang="en-IN" sz="1400" dirty="0"/>
+              <a:t>( "name",</a:t>
+            </a:r>
+            <a:r>
+              <a:rPr lang="en-IN" sz="1400" dirty="0" err="1"/>
+              <a:t>StringType,true</a:t>
+            </a:r>
+            <a:r>
+              <a:rPr lang="en-IN" sz="1400" dirty="0"/>
+              <a:t>),</a:t>
+            </a:r>
+            <a:r>
+              <a:rPr lang="en-IN" sz="1400" dirty="0" err="1"/>
+              <a:t>StructField</a:t>
+            </a:r>
+            <a:r>
+              <a:rPr lang="en-IN" sz="1400" dirty="0"/>
+              <a:t>("address",</a:t>
+            </a:r>
+            <a:r>
+              <a:rPr lang="en-IN" sz="1400" dirty="0" err="1"/>
+              <a:t>StringType</a:t>
+            </a:r>
+            <a:r>
+              <a:rPr lang="en-IN" sz="1400" dirty="0"/>
+              <a:t>, true),</a:t>
+            </a:r>
+            <a:r>
+              <a:rPr lang="en-IN" sz="1400" dirty="0" err="1"/>
+              <a:t>StructField</a:t>
+            </a:r>
+            <a:r>
+              <a:rPr lang="en-IN" sz="1400" dirty="0"/>
+              <a:t>("mobile",</a:t>
+            </a:r>
+            <a:r>
+              <a:rPr lang="en-IN" sz="1400" dirty="0" err="1"/>
+              <a:t>StringType</a:t>
+            </a:r>
+            <a:r>
+              <a:rPr lang="en-IN" sz="1400" dirty="0"/>
+              <a:t>, true),</a:t>
+            </a:r>
+            <a:r>
+              <a:rPr lang="en-IN" sz="1400" dirty="0" err="1"/>
+              <a:t>StructField</a:t>
+            </a:r>
+            <a:r>
+              <a:rPr lang="en-IN" sz="1400" dirty="0"/>
+              <a:t>("</a:t>
+            </a:r>
+            <a:r>
+              <a:rPr lang="en-IN" sz="1400" dirty="0" err="1"/>
+              <a:t>num</a:t>
+            </a:r>
+            <a:r>
+              <a:rPr lang="en-IN" sz="1400" dirty="0"/>
+              <a:t>",</a:t>
+            </a:r>
+            <a:r>
+              <a:rPr lang="en-IN" sz="1400" dirty="0" err="1"/>
+              <a:t>StringType</a:t>
+            </a:r>
+            <a:r>
+              <a:rPr lang="en-IN" sz="1400" dirty="0"/>
+              <a:t>, true)))</a:t>
+            </a:r>
+          </a:p>
+          <a:p>
+            <a:r>
+              <a:rPr lang="en-IN" sz="1400" dirty="0" err="1"/>
+              <a:t>scala</a:t>
+            </a:r>
+            <a:r>
+              <a:rPr lang="en-IN" sz="1400" dirty="0"/>
+              <a:t>&gt; </a:t>
+            </a:r>
+            <a:r>
+              <a:rPr lang="en-IN" sz="1400" dirty="0" err="1"/>
+              <a:t>val</a:t>
+            </a:r>
+            <a:r>
+              <a:rPr lang="en-IN" sz="1400" dirty="0"/>
+              <a:t> </a:t>
+            </a:r>
+            <a:r>
+              <a:rPr lang="en-IN" sz="1400" dirty="0" err="1"/>
+              <a:t>fm</a:t>
+            </a:r>
+            <a:r>
+              <a:rPr lang="en-IN" sz="1400" dirty="0"/>
+              <a:t> = </a:t>
+            </a:r>
+            <a:r>
+              <a:rPr lang="en-IN" sz="1400" dirty="0" err="1"/>
+              <a:t>datatab.map</a:t>
+            </a:r>
+            <a:r>
+              <a:rPr lang="en-IN" sz="1400" dirty="0"/>
+              <a:t>(lines =&gt; </a:t>
+            </a:r>
+            <a:r>
+              <a:rPr lang="en-IN" sz="1400" dirty="0" err="1"/>
+              <a:t>lines.split</a:t>
+            </a:r>
+            <a:r>
+              <a:rPr lang="en-IN" sz="1400" dirty="0"/>
+              <a:t>("\t")).map(l=&gt;Row(l(0),l(1),l(2),l(3)))</a:t>
+            </a:r>
+          </a:p>
+          <a:p>
+            <a:r>
+              <a:rPr lang="en-IN" sz="1400" dirty="0" err="1"/>
+              <a:t>scala</a:t>
+            </a:r>
+            <a:r>
+              <a:rPr lang="en-IN" sz="1400" dirty="0"/>
+              <a:t>&gt; </a:t>
+            </a:r>
+            <a:r>
+              <a:rPr lang="en-IN" sz="1400" dirty="0" err="1"/>
+              <a:t>val</a:t>
+            </a:r>
+            <a:r>
+              <a:rPr lang="en-IN" sz="1400" dirty="0"/>
+              <a:t> fm1 = </a:t>
+            </a:r>
+            <a:r>
+              <a:rPr lang="en-IN" sz="1400" dirty="0" err="1"/>
+              <a:t>spark.sqlContext.createDataFrame</a:t>
+            </a:r>
+            <a:r>
+              <a:rPr lang="en-IN" sz="1400" dirty="0"/>
+              <a:t>(</a:t>
+            </a:r>
+            <a:r>
+              <a:rPr lang="en-IN" sz="1400" dirty="0" err="1"/>
+              <a:t>fm</a:t>
+            </a:r>
+            <a:r>
+              <a:rPr lang="en-IN" sz="1400" dirty="0"/>
+              <a:t>, schema)</a:t>
+            </a:r>
+          </a:p>
+        </p:txBody>
+      </p:sp>
+      <p:pic>
+        <p:nvPicPr>
+          <p:cNvPr id="4" name="Picture 3">
+            <a:extLst>
+              <a:ext uri="{FF2B5EF4-FFF2-40B4-BE49-F238E27FC236}">
+                <a16:creationId xmlns:a16="http://schemas.microsoft.com/office/drawing/2014/main" id="{D97678BE-68C0-4691-992A-D78DC4BF2782}"/>
+              </a:ext>
+            </a:extLst>
+          </p:cNvPr>
+          <p:cNvPicPr>
+            <a:picLocks noChangeAspect="1"/>
+          </p:cNvPicPr>
+          <p:nvPr/>
+        </p:nvPicPr>
+        <p:blipFill>
+          <a:blip r:embed="rId2"/>
+          <a:stretch>
+            <a:fillRect/>
+          </a:stretch>
+        </p:blipFill>
+        <p:spPr>
+          <a:xfrm>
+            <a:off x="61546" y="3015671"/>
+            <a:ext cx="12192000" cy="3024733"/>
+          </a:xfrm>
+          <a:prstGeom prst="rect">
+            <a:avLst/>
+          </a:prstGeom>
+        </p:spPr>
+      </p:pic>
+    </p:spTree>
+    <p:extLst>
+      <p:ext uri="{BB962C8B-B14F-4D97-AF65-F5344CB8AC3E}">
+        <p14:creationId xmlns:p14="http://schemas.microsoft.com/office/powerpoint/2010/main" val="397973214"/>
+      </p:ext>
+    </p:extLst>
+  </p:cSld>
+  <p:clrMapOvr>
+    <a:masterClrMapping/>
+  </p:clrMapOvr>
+</p:sld>
+</file>
+
+<file path=ppt/slides/slide15.xml><?xml version="1.0" encoding="utf-8"?>
+<p:sld xmlns:a="http://schemas.openxmlformats.org/drawingml/2006/main" xmlns:r="http://schemas.openxmlformats.org/officeDocument/2006/relationships" xmlns:p="http://schemas.openxmlformats.org/presentationml/2006/main">
+  <p:cSld>
+    <p:spTree>
+      <p:nvGrpSpPr>
+        <p:cNvPr id="1" name=""/>
+        <p:cNvGrpSpPr/>
+        <p:nvPr/>
+      </p:nvGrpSpPr>
+      <p:grpSpPr>
+        <a:xfrm>
+          <a:off x="0" y="0"/>
+          <a:ext cx="0" cy="0"/>
+          <a:chOff x="0" y="0"/>
+          <a:chExt cx="0" cy="0"/>
+        </a:xfrm>
+      </p:grpSpPr>
+      <p:sp>
+        <p:nvSpPr>
+          <p:cNvPr id="2" name="TextBox 1">
+            <a:extLst>
+              <a:ext uri="{FF2B5EF4-FFF2-40B4-BE49-F238E27FC236}">
+                <a16:creationId xmlns:a16="http://schemas.microsoft.com/office/drawing/2014/main" id="{478F8B7A-3065-4C96-9776-389059E8C19C}"/>
+              </a:ext>
+            </a:extLst>
+          </p:cNvPr>
+          <p:cNvSpPr txBox="1"/>
+          <p:nvPr/>
+        </p:nvSpPr>
+        <p:spPr>
+          <a:xfrm>
+            <a:off x="2952017" y="417546"/>
+            <a:ext cx="7141552" cy="584775"/>
+          </a:xfrm>
+          <a:prstGeom prst="rect">
+            <a:avLst/>
+          </a:prstGeom>
+          <a:noFill/>
+        </p:spPr>
+        <p:txBody>
+          <a:bodyPr wrap="square" rtlCol="0">
+            <a:spAutoFit/>
+          </a:bodyPr>
+          <a:lstStyle/>
+          <a:p>
+            <a:r>
+              <a:rPr lang="en-IN" sz="3200" b="1" dirty="0"/>
+              <a:t>Scala Transformation</a:t>
+            </a:r>
+          </a:p>
+        </p:txBody>
+      </p:sp>
+      <p:sp>
+        <p:nvSpPr>
+          <p:cNvPr id="3" name="TextBox 2">
+            <a:extLst>
+              <a:ext uri="{FF2B5EF4-FFF2-40B4-BE49-F238E27FC236}">
+                <a16:creationId xmlns:a16="http://schemas.microsoft.com/office/drawing/2014/main" id="{8401DDFD-AAC4-45D6-8461-7B1AAE041AD6}"/>
+              </a:ext>
+            </a:extLst>
+          </p:cNvPr>
+          <p:cNvSpPr txBox="1"/>
+          <p:nvPr/>
+        </p:nvSpPr>
+        <p:spPr>
+          <a:xfrm>
+            <a:off x="468923" y="1002321"/>
+            <a:ext cx="11383108" cy="6740307"/>
+          </a:xfrm>
+          <a:prstGeom prst="rect">
+            <a:avLst/>
+          </a:prstGeom>
+          <a:noFill/>
+        </p:spPr>
+        <p:txBody>
+          <a:bodyPr wrap="square" rtlCol="0">
+            <a:spAutoFit/>
+          </a:bodyPr>
+          <a:lstStyle/>
+          <a:p>
+            <a:r>
+              <a:rPr lang="en-IN" b="1" dirty="0"/>
+              <a:t>filter(</a:t>
+            </a:r>
+            <a:r>
+              <a:rPr lang="en-IN" b="1" dirty="0" err="1"/>
+              <a:t>func</a:t>
+            </a:r>
+            <a:r>
+              <a:rPr lang="en-IN" b="1" dirty="0"/>
+              <a:t>)</a:t>
+            </a:r>
+          </a:p>
+          <a:p>
+            <a:r>
+              <a:rPr lang="en-IN" dirty="0"/>
+              <a:t>Spark RDD </a:t>
+            </a:r>
+            <a:r>
+              <a:rPr lang="en-IN" b="1" dirty="0"/>
+              <a:t>filter()</a:t>
+            </a:r>
+            <a:r>
+              <a:rPr lang="en-IN" dirty="0"/>
+              <a:t> function returns a new RDD, containing only the elements that meet a predicate. It is a </a:t>
+            </a:r>
+            <a:r>
+              <a:rPr lang="en-IN" i="1" dirty="0"/>
+              <a:t>narrow operation</a:t>
+            </a:r>
+            <a:r>
+              <a:rPr lang="en-IN" dirty="0"/>
+              <a:t> because it does not shuffle data from one partition to many partitions.</a:t>
+            </a:r>
+          </a:p>
+          <a:p>
+            <a:endParaRPr lang="en-IN" dirty="0"/>
+          </a:p>
+          <a:p>
+            <a:endParaRPr lang="en-IN" dirty="0"/>
+          </a:p>
+          <a:p>
+            <a:endParaRPr lang="en-IN" dirty="0"/>
+          </a:p>
+          <a:p>
+            <a:r>
+              <a:rPr lang="en-IN" dirty="0" err="1"/>
+              <a:t>val</a:t>
+            </a:r>
+            <a:r>
+              <a:rPr lang="en-IN" dirty="0"/>
+              <a:t> data = </a:t>
+            </a:r>
+            <a:r>
+              <a:rPr lang="en-IN" dirty="0" err="1"/>
+              <a:t>spark.read.textFile</a:t>
+            </a:r>
+            <a:r>
+              <a:rPr lang="en-IN" dirty="0"/>
+              <a:t>("spark_test.txt").</a:t>
+            </a:r>
+            <a:r>
+              <a:rPr lang="en-IN" dirty="0" err="1"/>
+              <a:t>rdd</a:t>
+            </a:r>
+            <a:endParaRPr lang="en-IN" dirty="0"/>
+          </a:p>
+          <a:p>
+            <a:r>
+              <a:rPr lang="en-IN" dirty="0" err="1"/>
+              <a:t>val</a:t>
+            </a:r>
+            <a:r>
+              <a:rPr lang="en-IN" dirty="0"/>
+              <a:t> </a:t>
+            </a:r>
+            <a:r>
+              <a:rPr lang="en-IN" dirty="0" err="1"/>
+              <a:t>mapFile</a:t>
+            </a:r>
+            <a:r>
+              <a:rPr lang="en-IN" dirty="0"/>
+              <a:t> = </a:t>
+            </a:r>
+            <a:r>
+              <a:rPr lang="en-IN" dirty="0" err="1"/>
+              <a:t>data.flatMap</a:t>
+            </a:r>
+            <a:r>
+              <a:rPr lang="en-IN" dirty="0"/>
+              <a:t>(lines =&gt; </a:t>
+            </a:r>
+            <a:r>
+              <a:rPr lang="en-IN" dirty="0" err="1"/>
+              <a:t>lines.split</a:t>
+            </a:r>
+            <a:r>
+              <a:rPr lang="en-IN" dirty="0"/>
+              <a:t>(" ")).</a:t>
+            </a:r>
+          </a:p>
+          <a:p>
+            <a:endParaRPr lang="en-IN" dirty="0"/>
+          </a:p>
+          <a:p>
+            <a:endParaRPr lang="en-IN" dirty="0"/>
+          </a:p>
+          <a:p>
+            <a:endParaRPr lang="en-IN" dirty="0"/>
+          </a:p>
+          <a:p>
+            <a:r>
+              <a:rPr lang="en-IN" b="1" dirty="0"/>
+              <a:t>union(dataset)</a:t>
+            </a:r>
+          </a:p>
+          <a:p>
+            <a:r>
+              <a:rPr lang="en-IN" dirty="0"/>
+              <a:t>With the </a:t>
+            </a:r>
+            <a:r>
+              <a:rPr lang="en-IN" b="1" dirty="0"/>
+              <a:t>union()</a:t>
+            </a:r>
+            <a:r>
+              <a:rPr lang="en-IN" dirty="0"/>
+              <a:t> function, we get the elements of both the RDD in new RDD. The key rule of this function is that the two RDDs should be of the same type.</a:t>
+            </a:r>
+          </a:p>
+          <a:p>
+            <a:endParaRPr lang="en-IN" dirty="0"/>
+          </a:p>
+          <a:p>
+            <a:r>
+              <a:rPr lang="en-IN" dirty="0" err="1"/>
+              <a:t>val</a:t>
+            </a:r>
+            <a:r>
+              <a:rPr lang="en-IN" dirty="0"/>
+              <a:t> rdd1 = </a:t>
+            </a:r>
+            <a:r>
+              <a:rPr lang="en-IN" dirty="0" err="1"/>
+              <a:t>spark.sparkContext.parallelize</a:t>
+            </a:r>
+            <a:r>
+              <a:rPr lang="en-IN" dirty="0"/>
+              <a:t>(</a:t>
+            </a:r>
+            <a:r>
+              <a:rPr lang="en-IN" dirty="0" err="1"/>
+              <a:t>Seq</a:t>
+            </a:r>
+            <a:r>
+              <a:rPr lang="en-IN" dirty="0"/>
+              <a:t>((1,"jan",2016),(3,"nov",2014),(16,"feb",2014)))</a:t>
+            </a:r>
+          </a:p>
+          <a:p>
+            <a:r>
+              <a:rPr lang="en-IN" dirty="0" err="1"/>
+              <a:t>val</a:t>
+            </a:r>
+            <a:r>
+              <a:rPr lang="en-IN" dirty="0"/>
+              <a:t> rdd2 = </a:t>
+            </a:r>
+            <a:r>
+              <a:rPr lang="en-IN" dirty="0" err="1"/>
+              <a:t>spark.sparkContext.parallelize</a:t>
+            </a:r>
+            <a:r>
+              <a:rPr lang="en-IN" dirty="0"/>
+              <a:t>(</a:t>
+            </a:r>
+            <a:r>
+              <a:rPr lang="en-IN" dirty="0" err="1"/>
+              <a:t>Seq</a:t>
+            </a:r>
+            <a:r>
+              <a:rPr lang="en-IN" dirty="0"/>
+              <a:t>((5,"dec",2014),(17,"sep",2015)))</a:t>
+            </a:r>
+          </a:p>
+          <a:p>
+            <a:r>
+              <a:rPr lang="en-IN" dirty="0" err="1"/>
+              <a:t>val</a:t>
+            </a:r>
+            <a:r>
+              <a:rPr lang="en-IN" dirty="0"/>
+              <a:t> rdd3 = </a:t>
+            </a:r>
+            <a:r>
+              <a:rPr lang="en-IN" dirty="0" err="1"/>
+              <a:t>spark.sparkContext.parallelize</a:t>
+            </a:r>
+            <a:r>
+              <a:rPr lang="en-IN" dirty="0"/>
+              <a:t>(</a:t>
+            </a:r>
+            <a:r>
+              <a:rPr lang="en-IN" dirty="0" err="1"/>
+              <a:t>Seq</a:t>
+            </a:r>
+            <a:r>
+              <a:rPr lang="en-IN" dirty="0"/>
+              <a:t>((6,"dec",2011),(16,"may",2015)))</a:t>
+            </a:r>
+          </a:p>
+          <a:p>
+            <a:r>
+              <a:rPr lang="en-IN" dirty="0" err="1"/>
+              <a:t>val</a:t>
+            </a:r>
+            <a:r>
+              <a:rPr lang="en-IN" dirty="0"/>
+              <a:t> </a:t>
+            </a:r>
+            <a:r>
+              <a:rPr lang="en-IN" dirty="0" err="1"/>
+              <a:t>rddUnion</a:t>
+            </a:r>
+            <a:r>
+              <a:rPr lang="en-IN" dirty="0"/>
+              <a:t> = rdd1.union(rdd2).union(rdd3)</a:t>
+            </a:r>
+          </a:p>
+          <a:p>
+            <a:endParaRPr lang="en-IN" dirty="0"/>
+          </a:p>
+          <a:p>
+            <a:endParaRPr lang="en-IN" dirty="0"/>
+          </a:p>
+          <a:p>
+            <a:endParaRPr lang="en-IN" dirty="0"/>
+          </a:p>
+          <a:p>
+            <a:endParaRPr lang="en-IN" dirty="0"/>
+          </a:p>
+          <a:p>
+            <a:endParaRPr lang="en-IN" dirty="0"/>
+          </a:p>
+        </p:txBody>
+      </p:sp>
+    </p:spTree>
+    <p:extLst>
+      <p:ext uri="{BB962C8B-B14F-4D97-AF65-F5344CB8AC3E}">
+        <p14:creationId xmlns:p14="http://schemas.microsoft.com/office/powerpoint/2010/main" val="2497461328"/>
+      </p:ext>
+    </p:extLst>
+  </p:cSld>
+  <p:clrMapOvr>
+    <a:masterClrMapping/>
+  </p:clrMapOvr>
+</p:sld>
+</file>
+
+<file path=ppt/slides/slide16.xml><?xml version="1.0" encoding="utf-8"?>
+<p:sld xmlns:a="http://schemas.openxmlformats.org/drawingml/2006/main" xmlns:r="http://schemas.openxmlformats.org/officeDocument/2006/relationships" xmlns:p="http://schemas.openxmlformats.org/presentationml/2006/main">
+  <p:cSld>
+    <p:spTree>
+      <p:nvGrpSpPr>
+        <p:cNvPr id="1" name=""/>
+        <p:cNvGrpSpPr/>
+        <p:nvPr/>
+      </p:nvGrpSpPr>
+      <p:grpSpPr>
+        <a:xfrm>
+          <a:off x="0" y="0"/>
+          <a:ext cx="0" cy="0"/>
+          <a:chOff x="0" y="0"/>
+          <a:chExt cx="0" cy="0"/>
+        </a:xfrm>
+      </p:grpSpPr>
+      <p:sp>
+        <p:nvSpPr>
+          <p:cNvPr id="2" name="TextBox 1">
+            <a:extLst>
+              <a:ext uri="{FF2B5EF4-FFF2-40B4-BE49-F238E27FC236}">
+                <a16:creationId xmlns:a16="http://schemas.microsoft.com/office/drawing/2014/main" id="{478F8B7A-3065-4C96-9776-389059E8C19C}"/>
+              </a:ext>
+            </a:extLst>
+          </p:cNvPr>
+          <p:cNvSpPr txBox="1"/>
+          <p:nvPr/>
+        </p:nvSpPr>
+        <p:spPr>
+          <a:xfrm>
+            <a:off x="2952017" y="417546"/>
+            <a:ext cx="7141552" cy="584775"/>
+          </a:xfrm>
+          <a:prstGeom prst="rect">
+            <a:avLst/>
+          </a:prstGeom>
+          <a:noFill/>
+        </p:spPr>
+        <p:txBody>
+          <a:bodyPr wrap="square" rtlCol="0">
+            <a:spAutoFit/>
+          </a:bodyPr>
+          <a:lstStyle/>
+          <a:p>
+            <a:r>
+              <a:rPr lang="en-IN" sz="3200" b="1" dirty="0"/>
+              <a:t>Scala Transformation</a:t>
+            </a:r>
+          </a:p>
+        </p:txBody>
+      </p:sp>
+      <p:sp>
+        <p:nvSpPr>
+          <p:cNvPr id="3" name="TextBox 2">
+            <a:extLst>
+              <a:ext uri="{FF2B5EF4-FFF2-40B4-BE49-F238E27FC236}">
+                <a16:creationId xmlns:a16="http://schemas.microsoft.com/office/drawing/2014/main" id="{8401DDFD-AAC4-45D6-8461-7B1AAE041AD6}"/>
+              </a:ext>
+            </a:extLst>
+          </p:cNvPr>
+          <p:cNvSpPr txBox="1"/>
+          <p:nvPr/>
+        </p:nvSpPr>
+        <p:spPr>
+          <a:xfrm>
+            <a:off x="468923" y="1002321"/>
+            <a:ext cx="11383108" cy="5355312"/>
+          </a:xfrm>
+          <a:prstGeom prst="rect">
+            <a:avLst/>
+          </a:prstGeom>
+          <a:noFill/>
+        </p:spPr>
+        <p:txBody>
+          <a:bodyPr wrap="square" rtlCol="0">
+            <a:spAutoFit/>
+          </a:bodyPr>
+          <a:lstStyle/>
+          <a:p>
+            <a:r>
+              <a:rPr lang="en-IN" b="1" dirty="0"/>
+              <a:t>intersection(other-dataset)</a:t>
+            </a:r>
+          </a:p>
+          <a:p>
+            <a:r>
+              <a:rPr lang="en-IN" dirty="0"/>
+              <a:t>With the </a:t>
+            </a:r>
+            <a:r>
+              <a:rPr lang="en-IN" b="1" dirty="0"/>
+              <a:t>intersection()</a:t>
+            </a:r>
+            <a:r>
+              <a:rPr lang="en-IN" dirty="0"/>
+              <a:t> function, we get only the common element of both the RDD in new RDD. The key rule of this function is that the two RDDs should be of the same type.</a:t>
+            </a:r>
+          </a:p>
+          <a:p>
+            <a:r>
+              <a:rPr lang="en-IN" dirty="0"/>
+              <a:t>.</a:t>
+            </a:r>
+          </a:p>
+          <a:p>
+            <a:r>
+              <a:rPr lang="en-IN" dirty="0" err="1"/>
+              <a:t>val</a:t>
+            </a:r>
+            <a:r>
+              <a:rPr lang="en-IN" dirty="0"/>
+              <a:t> rdd1 = </a:t>
+            </a:r>
+            <a:r>
+              <a:rPr lang="en-IN" dirty="0" err="1"/>
+              <a:t>spark.sparkContext.parallelize</a:t>
+            </a:r>
+            <a:r>
+              <a:rPr lang="en-IN" dirty="0"/>
+              <a:t>(</a:t>
+            </a:r>
+            <a:r>
+              <a:rPr lang="en-IN" dirty="0" err="1"/>
+              <a:t>Seq</a:t>
+            </a:r>
+            <a:r>
+              <a:rPr lang="en-IN" dirty="0"/>
+              <a:t>((1,"jan",2016),(3,"nov",2014, (16,"feb",2014)))</a:t>
+            </a:r>
+          </a:p>
+          <a:p>
+            <a:r>
+              <a:rPr lang="en-IN" dirty="0" err="1"/>
+              <a:t>val</a:t>
+            </a:r>
+            <a:r>
+              <a:rPr lang="en-IN" dirty="0"/>
+              <a:t> rdd2 = </a:t>
+            </a:r>
+            <a:r>
+              <a:rPr lang="en-IN" dirty="0" err="1"/>
+              <a:t>spark.sparkContext.parallelize</a:t>
+            </a:r>
+            <a:r>
+              <a:rPr lang="en-IN" dirty="0"/>
+              <a:t>(</a:t>
+            </a:r>
+            <a:r>
+              <a:rPr lang="en-IN" dirty="0" err="1"/>
+              <a:t>Seq</a:t>
+            </a:r>
+            <a:r>
+              <a:rPr lang="en-IN" dirty="0"/>
+              <a:t>((5,"dec",2014),(1,"jan",2016)))</a:t>
+            </a:r>
+          </a:p>
+          <a:p>
+            <a:r>
+              <a:rPr lang="en-IN" dirty="0" err="1"/>
+              <a:t>val</a:t>
+            </a:r>
+            <a:r>
+              <a:rPr lang="en-IN" dirty="0"/>
+              <a:t> </a:t>
+            </a:r>
+            <a:r>
+              <a:rPr lang="en-IN" dirty="0" err="1"/>
+              <a:t>comman</a:t>
+            </a:r>
+            <a:r>
+              <a:rPr lang="en-IN" dirty="0"/>
+              <a:t> = rdd1.intersection(rdd2)</a:t>
+            </a:r>
+          </a:p>
+          <a:p>
+            <a:endParaRPr lang="en-IN" dirty="0"/>
+          </a:p>
+          <a:p>
+            <a:endParaRPr lang="en-IN" dirty="0"/>
+          </a:p>
+          <a:p>
+            <a:r>
+              <a:rPr lang="en-IN" b="1" dirty="0"/>
+              <a:t>distinct()</a:t>
+            </a:r>
+          </a:p>
+          <a:p>
+            <a:r>
+              <a:rPr lang="en-IN" dirty="0"/>
+              <a:t>It returns a new dataset that contains the </a:t>
+            </a:r>
+            <a:r>
+              <a:rPr lang="en-IN" b="1" dirty="0"/>
+              <a:t>distinct</a:t>
+            </a:r>
+            <a:r>
+              <a:rPr lang="en-IN" dirty="0"/>
+              <a:t> elements of the source dataset. It is helpful to remove duplicate data.</a:t>
+            </a:r>
+          </a:p>
+          <a:p>
+            <a:endParaRPr lang="en-IN" dirty="0"/>
+          </a:p>
+          <a:p>
+            <a:r>
+              <a:rPr lang="en-IN" dirty="0" err="1"/>
+              <a:t>val</a:t>
+            </a:r>
+            <a:r>
+              <a:rPr lang="en-IN" dirty="0"/>
+              <a:t> rdd1 = </a:t>
+            </a:r>
+            <a:r>
+              <a:rPr lang="en-IN" dirty="0" err="1"/>
+              <a:t>park.sparkContext.parallelize</a:t>
+            </a:r>
+            <a:r>
+              <a:rPr lang="en-IN" dirty="0"/>
+              <a:t>(</a:t>
+            </a:r>
+            <a:r>
+              <a:rPr lang="en-IN" dirty="0" err="1"/>
+              <a:t>Seq</a:t>
+            </a:r>
+            <a:r>
+              <a:rPr lang="en-IN" dirty="0"/>
+              <a:t>((1,"jan",2016),(3,"nov",2014),(16,"feb",2014),(3,"nov",2014)))</a:t>
+            </a:r>
+          </a:p>
+          <a:p>
+            <a:r>
+              <a:rPr lang="en-IN" dirty="0" err="1"/>
+              <a:t>val</a:t>
+            </a:r>
+            <a:r>
+              <a:rPr lang="en-IN" dirty="0"/>
+              <a:t> result = rdd1.distinct()</a:t>
+            </a:r>
+          </a:p>
+          <a:p>
+            <a:endParaRPr lang="en-IN" dirty="0"/>
+          </a:p>
+          <a:p>
+            <a:endParaRPr lang="en-IN" dirty="0"/>
+          </a:p>
+          <a:p>
+            <a:endParaRPr lang="en-IN" dirty="0"/>
+          </a:p>
+          <a:p>
+            <a:endParaRPr lang="en-IN" dirty="0"/>
+          </a:p>
+          <a:p>
+            <a:endParaRPr lang="en-IN" dirty="0"/>
+          </a:p>
+        </p:txBody>
+      </p:sp>
+    </p:spTree>
+    <p:extLst>
+      <p:ext uri="{BB962C8B-B14F-4D97-AF65-F5344CB8AC3E}">
+        <p14:creationId xmlns:p14="http://schemas.microsoft.com/office/powerpoint/2010/main" val="2806252771"/>
+      </p:ext>
+    </p:extLst>
+  </p:cSld>
+  <p:clrMapOvr>
+    <a:masterClrMapping/>
+  </p:clrMapOvr>
+</p:sld>
+</file>
+
+<file path=ppt/slides/slide17.xml><?xml version="1.0" encoding="utf-8"?>
+<p:sld xmlns:a="http://schemas.openxmlformats.org/drawingml/2006/main" xmlns:r="http://schemas.openxmlformats.org/officeDocument/2006/relationships" xmlns:p="http://schemas.openxmlformats.org/presentationml/2006/main">
+  <p:cSld>
+    <p:spTree>
+      <p:nvGrpSpPr>
+        <p:cNvPr id="1" name=""/>
+        <p:cNvGrpSpPr/>
+        <p:nvPr/>
+      </p:nvGrpSpPr>
+      <p:grpSpPr>
+        <a:xfrm>
+          <a:off x="0" y="0"/>
+          <a:ext cx="0" cy="0"/>
+          <a:chOff x="0" y="0"/>
+          <a:chExt cx="0" cy="0"/>
+        </a:xfrm>
+      </p:grpSpPr>
+      <p:sp>
+        <p:nvSpPr>
+          <p:cNvPr id="2" name="TextBox 1">
+            <a:extLst>
+              <a:ext uri="{FF2B5EF4-FFF2-40B4-BE49-F238E27FC236}">
+                <a16:creationId xmlns:a16="http://schemas.microsoft.com/office/drawing/2014/main" id="{478F8B7A-3065-4C96-9776-389059E8C19C}"/>
+              </a:ext>
+            </a:extLst>
+          </p:cNvPr>
+          <p:cNvSpPr txBox="1"/>
+          <p:nvPr/>
+        </p:nvSpPr>
+        <p:spPr>
+          <a:xfrm>
+            <a:off x="2952017" y="417546"/>
+            <a:ext cx="7141552" cy="584775"/>
+          </a:xfrm>
+          <a:prstGeom prst="rect">
+            <a:avLst/>
+          </a:prstGeom>
+          <a:noFill/>
+        </p:spPr>
+        <p:txBody>
+          <a:bodyPr wrap="square" rtlCol="0">
+            <a:spAutoFit/>
+          </a:bodyPr>
+          <a:lstStyle/>
+          <a:p>
+            <a:r>
+              <a:rPr lang="en-IN" sz="3200" b="1" dirty="0"/>
+              <a:t>Scala Transformation</a:t>
+            </a:r>
+          </a:p>
+        </p:txBody>
+      </p:sp>
+      <p:sp>
+        <p:nvSpPr>
+          <p:cNvPr id="3" name="TextBox 2">
+            <a:extLst>
+              <a:ext uri="{FF2B5EF4-FFF2-40B4-BE49-F238E27FC236}">
+                <a16:creationId xmlns:a16="http://schemas.microsoft.com/office/drawing/2014/main" id="{8401DDFD-AAC4-45D6-8461-7B1AAE041AD6}"/>
+              </a:ext>
+            </a:extLst>
+          </p:cNvPr>
+          <p:cNvSpPr txBox="1"/>
+          <p:nvPr/>
+        </p:nvSpPr>
+        <p:spPr>
+          <a:xfrm>
+            <a:off x="808892" y="922396"/>
+            <a:ext cx="11383108" cy="5909310"/>
+          </a:xfrm>
+          <a:prstGeom prst="rect">
+            <a:avLst/>
+          </a:prstGeom>
+          <a:noFill/>
+        </p:spPr>
+        <p:txBody>
+          <a:bodyPr wrap="square" rtlCol="0">
+            <a:spAutoFit/>
+          </a:bodyPr>
+          <a:lstStyle/>
+          <a:p>
+            <a:r>
+              <a:rPr lang="en-IN" b="1" dirty="0" err="1"/>
+              <a:t>groupByKey</a:t>
+            </a:r>
+            <a:r>
+              <a:rPr lang="en-IN" b="1" dirty="0"/>
+              <a:t>()</a:t>
+            </a:r>
+          </a:p>
+          <a:p>
+            <a:r>
+              <a:rPr lang="en-IN" dirty="0"/>
+              <a:t>When we use </a:t>
+            </a:r>
+            <a:r>
+              <a:rPr lang="en-IN" b="1" dirty="0" err="1"/>
+              <a:t>groupByKey</a:t>
+            </a:r>
+            <a:r>
+              <a:rPr lang="en-IN" b="1" dirty="0"/>
+              <a:t>()</a:t>
+            </a:r>
+            <a:r>
+              <a:rPr lang="en-IN" dirty="0"/>
+              <a:t> on a dataset of (K, V) pairs, the data is shuffled according to the key value K in another RDD. In this transformation, lots of unnecessary data get to transfer over the network.</a:t>
+            </a:r>
+          </a:p>
+          <a:p>
+            <a:r>
+              <a:rPr lang="en-IN" dirty="0"/>
+              <a:t>.</a:t>
+            </a:r>
+          </a:p>
+          <a:p>
+            <a:r>
+              <a:rPr lang="en-IN" dirty="0" err="1"/>
+              <a:t>val</a:t>
+            </a:r>
+            <a:r>
+              <a:rPr lang="en-IN" dirty="0"/>
+              <a:t> data = </a:t>
+            </a:r>
+            <a:r>
+              <a:rPr lang="en-IN" dirty="0" err="1"/>
+              <a:t>spark.sparkContext.parallelize</a:t>
+            </a:r>
+            <a:r>
+              <a:rPr lang="en-IN" dirty="0"/>
+              <a:t>(Array(('k',5),('s',3),('s',4),('p',7),('p',5),('t',8),('k',6)),3)</a:t>
+            </a:r>
+          </a:p>
+          <a:p>
+            <a:r>
+              <a:rPr lang="en-IN" dirty="0" err="1"/>
+              <a:t>val</a:t>
+            </a:r>
+            <a:r>
+              <a:rPr lang="en-IN" dirty="0"/>
+              <a:t> group = </a:t>
+            </a:r>
+            <a:r>
+              <a:rPr lang="en-IN" dirty="0" err="1"/>
+              <a:t>data.groupByKey</a:t>
+            </a:r>
+            <a:r>
+              <a:rPr lang="en-IN" dirty="0"/>
+              <a:t>().collect()</a:t>
+            </a:r>
+          </a:p>
+          <a:p>
+            <a:endParaRPr lang="en-IN" dirty="0"/>
+          </a:p>
+          <a:p>
+            <a:endParaRPr lang="en-IN" dirty="0"/>
+          </a:p>
+          <a:p>
+            <a:r>
+              <a:rPr lang="en-IN" b="1" dirty="0" err="1"/>
+              <a:t>sortByKey</a:t>
+            </a:r>
+            <a:r>
+              <a:rPr lang="en-IN" b="1" dirty="0"/>
+              <a:t>()</a:t>
+            </a:r>
+          </a:p>
+          <a:p>
+            <a:r>
+              <a:rPr lang="en-IN" dirty="0"/>
+              <a:t>When we apply the </a:t>
+            </a:r>
+            <a:r>
+              <a:rPr lang="en-IN" b="1" dirty="0" err="1"/>
+              <a:t>sortByKey</a:t>
+            </a:r>
+            <a:r>
+              <a:rPr lang="en-IN" b="1" dirty="0"/>
+              <a:t>() function</a:t>
+            </a:r>
+            <a:r>
+              <a:rPr lang="en-IN" dirty="0"/>
+              <a:t> on a dataset of (K, V) pairs, the data is sorted according to the key K in another RDD.</a:t>
+            </a:r>
+          </a:p>
+          <a:p>
+            <a:endParaRPr lang="en-IN" dirty="0"/>
+          </a:p>
+          <a:p>
+            <a:endParaRPr lang="en-IN" dirty="0"/>
+          </a:p>
+          <a:p>
+            <a:r>
+              <a:rPr lang="en-IN" dirty="0" err="1"/>
+              <a:t>val</a:t>
+            </a:r>
+            <a:r>
+              <a:rPr lang="en-IN" dirty="0"/>
+              <a:t> data = </a:t>
+            </a:r>
+            <a:r>
+              <a:rPr lang="en-IN" dirty="0" err="1"/>
+              <a:t>spark.sparkContext.parallelize</a:t>
+            </a:r>
+            <a:r>
+              <a:rPr lang="en-IN" dirty="0"/>
+              <a:t>(</a:t>
+            </a:r>
+            <a:r>
+              <a:rPr lang="en-IN" dirty="0" err="1"/>
+              <a:t>Seq</a:t>
+            </a:r>
+            <a:r>
+              <a:rPr lang="en-IN" dirty="0"/>
+              <a:t>(("maths",52), ("english",75), ("science",82), ("computer",65), ("maths",85)))</a:t>
+            </a:r>
+          </a:p>
+          <a:p>
+            <a:r>
+              <a:rPr lang="en-IN" dirty="0" err="1"/>
+              <a:t>val</a:t>
+            </a:r>
+            <a:r>
+              <a:rPr lang="en-IN" dirty="0"/>
+              <a:t> sorted = </a:t>
+            </a:r>
+            <a:r>
+              <a:rPr lang="en-IN" dirty="0" err="1"/>
+              <a:t>data.sortByKey</a:t>
+            </a:r>
+            <a:r>
+              <a:rPr lang="en-IN" dirty="0"/>
+              <a:t>()</a:t>
+            </a:r>
+          </a:p>
+          <a:p>
+            <a:endParaRPr lang="en-IN" dirty="0"/>
+          </a:p>
+          <a:p>
+            <a:endParaRPr lang="en-IN" dirty="0"/>
+          </a:p>
+          <a:p>
+            <a:endParaRPr lang="en-IN" dirty="0"/>
+          </a:p>
+          <a:p>
+            <a:endParaRPr lang="en-IN" dirty="0"/>
+          </a:p>
+          <a:p>
+            <a:endParaRPr lang="en-IN" dirty="0"/>
+          </a:p>
+        </p:txBody>
+      </p:sp>
+    </p:spTree>
+    <p:extLst>
+      <p:ext uri="{BB962C8B-B14F-4D97-AF65-F5344CB8AC3E}">
+        <p14:creationId xmlns:p14="http://schemas.microsoft.com/office/powerpoint/2010/main" val="2520096634"/>
+      </p:ext>
+    </p:extLst>
+  </p:cSld>
+  <p:clrMapOvr>
+    <a:masterClrMapping/>
+  </p:clrMapOvr>
+</p:sld>
+</file>
+
+<file path=ppt/slides/slide18.xml><?xml version="1.0" encoding="utf-8"?>
+<p:sld xmlns:a="http://schemas.openxmlformats.org/drawingml/2006/main" xmlns:r="http://schemas.openxmlformats.org/officeDocument/2006/relationships" xmlns:p="http://schemas.openxmlformats.org/presentationml/2006/main">
+  <p:cSld>
+    <p:spTree>
+      <p:nvGrpSpPr>
+        <p:cNvPr id="1" name=""/>
+        <p:cNvGrpSpPr/>
+        <p:nvPr/>
+      </p:nvGrpSpPr>
+      <p:grpSpPr>
+        <a:xfrm>
+          <a:off x="0" y="0"/>
+          <a:ext cx="0" cy="0"/>
+          <a:chOff x="0" y="0"/>
+          <a:chExt cx="0" cy="0"/>
+        </a:xfrm>
+      </p:grpSpPr>
+      <p:sp>
+        <p:nvSpPr>
+          <p:cNvPr id="2" name="TextBox 1">
+            <a:extLst>
+              <a:ext uri="{FF2B5EF4-FFF2-40B4-BE49-F238E27FC236}">
+                <a16:creationId xmlns:a16="http://schemas.microsoft.com/office/drawing/2014/main" id="{478F8B7A-3065-4C96-9776-389059E8C19C}"/>
+              </a:ext>
+            </a:extLst>
+          </p:cNvPr>
+          <p:cNvSpPr txBox="1"/>
+          <p:nvPr/>
+        </p:nvSpPr>
+        <p:spPr>
+          <a:xfrm>
+            <a:off x="2952017" y="417546"/>
+            <a:ext cx="7141552" cy="584775"/>
+          </a:xfrm>
+          <a:prstGeom prst="rect">
+            <a:avLst/>
+          </a:prstGeom>
+          <a:noFill/>
+        </p:spPr>
+        <p:txBody>
+          <a:bodyPr wrap="square" rtlCol="0">
+            <a:spAutoFit/>
+          </a:bodyPr>
+          <a:lstStyle/>
+          <a:p>
+            <a:r>
+              <a:rPr lang="en-IN" sz="3200" b="1" dirty="0"/>
+              <a:t>Scala Transformation</a:t>
+            </a:r>
+          </a:p>
+        </p:txBody>
+      </p:sp>
+      <p:sp>
+        <p:nvSpPr>
+          <p:cNvPr id="3" name="TextBox 2">
+            <a:extLst>
+              <a:ext uri="{FF2B5EF4-FFF2-40B4-BE49-F238E27FC236}">
+                <a16:creationId xmlns:a16="http://schemas.microsoft.com/office/drawing/2014/main" id="{8401DDFD-AAC4-45D6-8461-7B1AAE041AD6}"/>
+              </a:ext>
+            </a:extLst>
+          </p:cNvPr>
+          <p:cNvSpPr txBox="1"/>
+          <p:nvPr/>
+        </p:nvSpPr>
+        <p:spPr>
+          <a:xfrm>
+            <a:off x="808892" y="922396"/>
+            <a:ext cx="11383108" cy="6740307"/>
+          </a:xfrm>
+          <a:prstGeom prst="rect">
+            <a:avLst/>
+          </a:prstGeom>
+          <a:noFill/>
+        </p:spPr>
+        <p:txBody>
+          <a:bodyPr wrap="square" rtlCol="0">
+            <a:spAutoFit/>
+          </a:bodyPr>
+          <a:lstStyle/>
+          <a:p>
+            <a:r>
+              <a:rPr lang="en-IN" b="1" dirty="0"/>
+              <a:t>join()</a:t>
+            </a:r>
+          </a:p>
+          <a:p>
+            <a:r>
+              <a:rPr lang="en-IN" dirty="0"/>
+              <a:t>The</a:t>
+            </a:r>
+            <a:r>
+              <a:rPr lang="en-IN" b="1" dirty="0"/>
+              <a:t> Join </a:t>
+            </a:r>
+            <a:r>
+              <a:rPr lang="en-IN" dirty="0"/>
+              <a:t>is database term. It combines the fields from two table using common values. join() operation in Spark is defined on pair-wise RDD. Pair-wise RDDs are RDD in which each element is in the form of tuples. Where the first element is key and the second element is the value.</a:t>
+            </a:r>
+          </a:p>
+          <a:p>
+            <a:r>
+              <a:rPr lang="en-IN" dirty="0"/>
+              <a:t>.</a:t>
+            </a:r>
+          </a:p>
+          <a:p>
+            <a:r>
+              <a:rPr lang="en-IN" dirty="0" err="1"/>
+              <a:t>val</a:t>
+            </a:r>
+            <a:r>
+              <a:rPr lang="en-IN" dirty="0"/>
+              <a:t> data = </a:t>
+            </a:r>
+            <a:r>
+              <a:rPr lang="en-IN" dirty="0" err="1"/>
+              <a:t>spark.sparkContext.parallelize</a:t>
+            </a:r>
+            <a:r>
+              <a:rPr lang="en-IN" dirty="0"/>
+              <a:t>(Array(('A',1),('b',2),('c',3)))</a:t>
+            </a:r>
+          </a:p>
+          <a:p>
+            <a:r>
+              <a:rPr lang="en-IN" dirty="0" err="1"/>
+              <a:t>val</a:t>
+            </a:r>
+            <a:r>
+              <a:rPr lang="en-IN" dirty="0"/>
+              <a:t> data2 =</a:t>
+            </a:r>
+            <a:r>
+              <a:rPr lang="en-IN" dirty="0" err="1"/>
+              <a:t>spark.sparkContext.parallelize</a:t>
+            </a:r>
+            <a:r>
+              <a:rPr lang="en-IN" dirty="0"/>
+              <a:t>(Array(('A',4),('A',6),('b',7),('c',3),('c',8)))</a:t>
+            </a:r>
+          </a:p>
+          <a:p>
+            <a:r>
+              <a:rPr lang="en-IN" dirty="0" err="1"/>
+              <a:t>val</a:t>
+            </a:r>
+            <a:r>
+              <a:rPr lang="en-IN" dirty="0"/>
+              <a:t> result = </a:t>
+            </a:r>
+            <a:r>
+              <a:rPr lang="en-IN" dirty="0" err="1"/>
+              <a:t>data.join</a:t>
+            </a:r>
+            <a:r>
+              <a:rPr lang="en-IN" dirty="0"/>
+              <a:t>(data2)</a:t>
+            </a:r>
+          </a:p>
+          <a:p>
+            <a:endParaRPr lang="en-IN" dirty="0"/>
+          </a:p>
+          <a:p>
+            <a:endParaRPr lang="en-IN" dirty="0"/>
+          </a:p>
+          <a:p>
+            <a:r>
+              <a:rPr lang="en-IN" b="1" dirty="0"/>
+              <a:t>coalesce()</a:t>
+            </a:r>
+          </a:p>
+          <a:p>
+            <a:r>
+              <a:rPr lang="en-IN" dirty="0"/>
+              <a:t>To avoid full shuffling of data we use coalesce() function. In </a:t>
+            </a:r>
+            <a:r>
+              <a:rPr lang="en-IN" b="1" dirty="0"/>
+              <a:t>coalesce()</a:t>
+            </a:r>
+            <a:r>
+              <a:rPr lang="en-IN" dirty="0"/>
+              <a:t> we use existing partition so that less data is shuffled. Using this we can cut the number of the partition. Suppose, we have four nodes and we want only two nodes. Then the data of extra nodes will be kept onto nodes which we kept.</a:t>
+            </a:r>
+          </a:p>
+          <a:p>
+            <a:endParaRPr lang="en-IN" dirty="0"/>
+          </a:p>
+          <a:p>
+            <a:endParaRPr lang="en-IN" dirty="0"/>
+          </a:p>
+          <a:p>
+            <a:r>
+              <a:rPr lang="en-IN" dirty="0" err="1"/>
+              <a:t>val</a:t>
+            </a:r>
+            <a:r>
+              <a:rPr lang="en-IN" dirty="0"/>
+              <a:t> rdd1 = </a:t>
+            </a:r>
+            <a:r>
+              <a:rPr lang="en-IN" dirty="0" err="1"/>
+              <a:t>spark.sparkContext.parallelize</a:t>
+            </a:r>
+            <a:r>
+              <a:rPr lang="en-IN" dirty="0"/>
+              <a:t>(</a:t>
+            </a:r>
+            <a:r>
+              <a:rPr lang="en-IN" b="1" dirty="0"/>
+              <a:t>Array</a:t>
+            </a:r>
+            <a:r>
+              <a:rPr lang="en-IN" dirty="0"/>
+              <a:t>("</a:t>
+            </a:r>
+            <a:r>
+              <a:rPr lang="en-IN" dirty="0" err="1"/>
+              <a:t>jan</a:t>
+            </a:r>
+            <a:r>
+              <a:rPr lang="en-IN" dirty="0"/>
+              <a:t>","</a:t>
+            </a:r>
+            <a:r>
+              <a:rPr lang="en-IN" dirty="0" err="1"/>
+              <a:t>feb</a:t>
+            </a:r>
+            <a:r>
+              <a:rPr lang="en-IN" dirty="0"/>
+              <a:t>","mar","</a:t>
+            </a:r>
+            <a:r>
+              <a:rPr lang="en-IN" dirty="0" err="1"/>
+              <a:t>april</a:t>
+            </a:r>
+            <a:r>
+              <a:rPr lang="en-IN" dirty="0"/>
+              <a:t>","may","</a:t>
+            </a:r>
+            <a:r>
+              <a:rPr lang="en-IN" dirty="0" err="1"/>
+              <a:t>jun</a:t>
+            </a:r>
+            <a:r>
+              <a:rPr lang="en-IN" dirty="0"/>
+              <a:t>"),3)</a:t>
+            </a:r>
+          </a:p>
+          <a:p>
+            <a:r>
+              <a:rPr lang="en-IN" dirty="0" err="1"/>
+              <a:t>val</a:t>
+            </a:r>
+            <a:r>
+              <a:rPr lang="en-IN" dirty="0"/>
+              <a:t> result = rdd1.coalesce(2)</a:t>
+            </a:r>
+          </a:p>
+          <a:p>
+            <a:r>
+              <a:rPr lang="en-IN" dirty="0" err="1"/>
+              <a:t>result.foreach</a:t>
+            </a:r>
+            <a:r>
+              <a:rPr lang="en-IN" dirty="0"/>
+              <a:t>(</a:t>
+            </a:r>
+            <a:r>
+              <a:rPr lang="en-IN" b="1" dirty="0" err="1"/>
+              <a:t>print</a:t>
+            </a:r>
+            <a:r>
+              <a:rPr lang="en-IN" dirty="0" err="1"/>
+              <a:t>ln</a:t>
+            </a:r>
+            <a:r>
+              <a:rPr lang="en-IN" dirty="0"/>
+              <a:t>)</a:t>
+            </a:r>
+          </a:p>
+          <a:p>
+            <a:endParaRPr lang="en-IN" dirty="0"/>
+          </a:p>
+          <a:p>
+            <a:endParaRPr lang="en-IN" dirty="0"/>
+          </a:p>
+          <a:p>
+            <a:endParaRPr lang="en-IN" dirty="0"/>
+          </a:p>
+          <a:p>
+            <a:endParaRPr lang="en-IN" dirty="0"/>
+          </a:p>
+          <a:p>
+            <a:endParaRPr lang="en-IN" dirty="0"/>
+          </a:p>
+        </p:txBody>
+      </p:sp>
+    </p:spTree>
+    <p:extLst>
+      <p:ext uri="{BB962C8B-B14F-4D97-AF65-F5344CB8AC3E}">
+        <p14:creationId xmlns:p14="http://schemas.microsoft.com/office/powerpoint/2010/main" val="1356873600"/>
+      </p:ext>
+    </p:extLst>
+  </p:cSld>
+  <p:clrMapOvr>
+    <a:masterClrMapping/>
+  </p:clrMapOvr>
+</p:sld>
+</file>
+
+<file path=ppt/slides/slide19.xml><?xml version="1.0" encoding="utf-8"?>
+<p:sld xmlns:a="http://schemas.openxmlformats.org/drawingml/2006/main" xmlns:r="http://schemas.openxmlformats.org/officeDocument/2006/relationships" xmlns:p="http://schemas.openxmlformats.org/presentationml/2006/main">
+  <p:cSld>
+    <p:spTree>
+      <p:nvGrpSpPr>
+        <p:cNvPr id="1" name=""/>
+        <p:cNvGrpSpPr/>
+        <p:nvPr/>
+      </p:nvGrpSpPr>
+      <p:grpSpPr>
+        <a:xfrm>
+          <a:off x="0" y="0"/>
+          <a:ext cx="0" cy="0"/>
+          <a:chOff x="0" y="0"/>
+          <a:chExt cx="0" cy="0"/>
+        </a:xfrm>
+      </p:grpSpPr>
+      <p:sp>
+        <p:nvSpPr>
+          <p:cNvPr id="2" name="TextBox 1">
+            <a:extLst>
+              <a:ext uri="{FF2B5EF4-FFF2-40B4-BE49-F238E27FC236}">
+                <a16:creationId xmlns:a16="http://schemas.microsoft.com/office/drawing/2014/main" id="{478F8B7A-3065-4C96-9776-389059E8C19C}"/>
+              </a:ext>
+            </a:extLst>
+          </p:cNvPr>
+          <p:cNvSpPr txBox="1"/>
+          <p:nvPr/>
+        </p:nvSpPr>
+        <p:spPr>
+          <a:xfrm>
+            <a:off x="2952017" y="417546"/>
+            <a:ext cx="7141552" cy="584775"/>
+          </a:xfrm>
+          <a:prstGeom prst="rect">
+            <a:avLst/>
+          </a:prstGeom>
+          <a:noFill/>
+        </p:spPr>
+        <p:txBody>
+          <a:bodyPr wrap="square" rtlCol="0">
+            <a:spAutoFit/>
+          </a:bodyPr>
+          <a:lstStyle/>
+          <a:p>
+            <a:r>
+              <a:rPr lang="en-IN" sz="3200" b="1" dirty="0"/>
+              <a:t>Scala Transformation</a:t>
+            </a:r>
+          </a:p>
+        </p:txBody>
+      </p:sp>
+      <p:sp>
+        <p:nvSpPr>
+          <p:cNvPr id="3" name="TextBox 2">
+            <a:extLst>
+              <a:ext uri="{FF2B5EF4-FFF2-40B4-BE49-F238E27FC236}">
+                <a16:creationId xmlns:a16="http://schemas.microsoft.com/office/drawing/2014/main" id="{8401DDFD-AAC4-45D6-8461-7B1AAE041AD6}"/>
+              </a:ext>
+            </a:extLst>
+          </p:cNvPr>
+          <p:cNvSpPr txBox="1"/>
+          <p:nvPr/>
+        </p:nvSpPr>
+        <p:spPr>
+          <a:xfrm>
+            <a:off x="808892" y="922396"/>
+            <a:ext cx="11383108" cy="6186309"/>
+          </a:xfrm>
+          <a:prstGeom prst="rect">
+            <a:avLst/>
+          </a:prstGeom>
+          <a:noFill/>
+        </p:spPr>
+        <p:txBody>
+          <a:bodyPr wrap="square" rtlCol="0">
+            <a:spAutoFit/>
+          </a:bodyPr>
+          <a:lstStyle/>
+          <a:p>
+            <a:r>
+              <a:rPr lang="en-IN" dirty="0"/>
+              <a:t>RDD Action</a:t>
+            </a:r>
+          </a:p>
+          <a:p>
+            <a:endParaRPr lang="en-IN" dirty="0"/>
+          </a:p>
+          <a:p>
+            <a:r>
+              <a:rPr lang="en-IN" b="1" dirty="0"/>
+              <a:t>count()</a:t>
+            </a:r>
+          </a:p>
+          <a:p>
+            <a:r>
+              <a:rPr lang="en-IN" dirty="0"/>
+              <a:t>Action</a:t>
+            </a:r>
+            <a:r>
+              <a:rPr lang="en-IN" b="1" dirty="0"/>
+              <a:t> count()</a:t>
+            </a:r>
+            <a:r>
+              <a:rPr lang="en-IN" dirty="0"/>
+              <a:t> returns the number of elements in RDD.</a:t>
+            </a:r>
+          </a:p>
+          <a:p>
+            <a:r>
+              <a:rPr lang="en-IN" dirty="0" err="1"/>
+              <a:t>val</a:t>
+            </a:r>
+            <a:r>
+              <a:rPr lang="en-IN" dirty="0"/>
+              <a:t> data = </a:t>
+            </a:r>
+            <a:r>
+              <a:rPr lang="en-IN" dirty="0" err="1"/>
+              <a:t>spark.read.textFile</a:t>
+            </a:r>
+            <a:r>
+              <a:rPr lang="en-IN" dirty="0"/>
+              <a:t>("spark_test.txt").</a:t>
+            </a:r>
+            <a:r>
+              <a:rPr lang="en-IN" dirty="0" err="1"/>
+              <a:t>rdd</a:t>
+            </a:r>
+            <a:endParaRPr lang="en-IN" dirty="0"/>
+          </a:p>
+          <a:p>
+            <a:r>
+              <a:rPr lang="en-IN" dirty="0" err="1"/>
+              <a:t>val</a:t>
+            </a:r>
+            <a:r>
+              <a:rPr lang="en-IN" dirty="0"/>
+              <a:t> </a:t>
+            </a:r>
+            <a:r>
+              <a:rPr lang="en-IN" dirty="0" err="1"/>
+              <a:t>mapFile</a:t>
+            </a:r>
+            <a:r>
+              <a:rPr lang="en-IN" dirty="0"/>
+              <a:t> = </a:t>
+            </a:r>
+            <a:r>
+              <a:rPr lang="en-IN" dirty="0" err="1"/>
+              <a:t>data.flatMap</a:t>
+            </a:r>
+            <a:r>
+              <a:rPr lang="en-IN" dirty="0"/>
+              <a:t>(lines =&gt; </a:t>
+            </a:r>
+            <a:r>
+              <a:rPr lang="en-IN" dirty="0" err="1"/>
+              <a:t>lines.split</a:t>
+            </a:r>
+            <a:r>
+              <a:rPr lang="en-IN" dirty="0"/>
+              <a:t>(" ")).filter(value =&gt; value=="spark")</a:t>
+            </a:r>
+          </a:p>
+          <a:p>
+            <a:r>
+              <a:rPr lang="en-IN" dirty="0" err="1"/>
+              <a:t>println</a:t>
+            </a:r>
+            <a:r>
+              <a:rPr lang="en-IN" dirty="0"/>
+              <a:t>(</a:t>
+            </a:r>
+            <a:r>
+              <a:rPr lang="en-IN" dirty="0" err="1"/>
+              <a:t>mapFile.count</a:t>
+            </a:r>
+            <a:r>
+              <a:rPr lang="en-IN" dirty="0"/>
+              <a:t>())</a:t>
+            </a:r>
+          </a:p>
+          <a:p>
+            <a:endParaRPr lang="en-IN" dirty="0"/>
+          </a:p>
+          <a:p>
+            <a:endParaRPr lang="en-IN" dirty="0"/>
+          </a:p>
+          <a:p>
+            <a:r>
+              <a:rPr lang="en-IN" b="1" dirty="0"/>
+              <a:t>collect()</a:t>
+            </a:r>
+          </a:p>
+          <a:p>
+            <a:r>
+              <a:rPr lang="en-IN" dirty="0"/>
+              <a:t>The action</a:t>
+            </a:r>
+            <a:r>
+              <a:rPr lang="en-IN" b="1" dirty="0"/>
+              <a:t> collect()</a:t>
+            </a:r>
+            <a:r>
+              <a:rPr lang="en-IN" dirty="0"/>
+              <a:t> is the common and simplest operation that returns our entire RDDs content to driver program. The application of collect() is unit testing where the entire RDD is expected to fit in memory. As a result, it makes easy to compare the result of RDD with the expected result.</a:t>
+            </a:r>
+          </a:p>
+          <a:p>
+            <a:endParaRPr lang="en-IN" dirty="0"/>
+          </a:p>
+          <a:p>
+            <a:r>
+              <a:rPr lang="en-IN" dirty="0" err="1"/>
+              <a:t>val</a:t>
+            </a:r>
+            <a:r>
+              <a:rPr lang="en-IN" dirty="0"/>
+              <a:t> data = </a:t>
+            </a:r>
+            <a:r>
+              <a:rPr lang="en-IN" dirty="0" err="1"/>
+              <a:t>spark.sparkContext.parallelize</a:t>
+            </a:r>
+            <a:r>
+              <a:rPr lang="en-IN" dirty="0"/>
+              <a:t>(Array(('A',1),('b',2),('c',3)))</a:t>
+            </a:r>
+          </a:p>
+          <a:p>
+            <a:r>
+              <a:rPr lang="en-IN" dirty="0" err="1"/>
+              <a:t>val</a:t>
+            </a:r>
+            <a:r>
+              <a:rPr lang="en-IN" dirty="0"/>
+              <a:t> data2 =</a:t>
+            </a:r>
+            <a:r>
+              <a:rPr lang="en-IN" dirty="0" err="1"/>
+              <a:t>spark.sparkContext.parallelize</a:t>
+            </a:r>
+            <a:r>
+              <a:rPr lang="en-IN" dirty="0"/>
+              <a:t>(Array(('A',4),('A',6),('b',7),('c',3),('c',8)))</a:t>
+            </a:r>
+          </a:p>
+          <a:p>
+            <a:r>
+              <a:rPr lang="en-IN" dirty="0" err="1"/>
+              <a:t>val</a:t>
+            </a:r>
+            <a:r>
+              <a:rPr lang="en-IN" dirty="0"/>
+              <a:t> result = </a:t>
+            </a:r>
+            <a:r>
+              <a:rPr lang="en-IN" dirty="0" err="1"/>
+              <a:t>data.join</a:t>
+            </a:r>
+            <a:r>
+              <a:rPr lang="en-IN" dirty="0"/>
+              <a:t>(data2)</a:t>
+            </a:r>
+          </a:p>
+          <a:p>
+            <a:r>
+              <a:rPr lang="en-IN" dirty="0" err="1"/>
+              <a:t>println</a:t>
+            </a:r>
+            <a:r>
+              <a:rPr lang="en-IN" dirty="0"/>
+              <a:t>(</a:t>
+            </a:r>
+            <a:r>
+              <a:rPr lang="en-IN" dirty="0" err="1"/>
+              <a:t>result.collect</a:t>
+            </a:r>
+            <a:r>
+              <a:rPr lang="en-IN" dirty="0"/>
+              <a:t>().</a:t>
+            </a:r>
+            <a:r>
+              <a:rPr lang="en-IN" dirty="0" err="1"/>
+              <a:t>mkString</a:t>
+            </a:r>
+            <a:r>
+              <a:rPr lang="en-IN" dirty="0"/>
+              <a:t>(","))</a:t>
+            </a:r>
+          </a:p>
+          <a:p>
+            <a:endParaRPr lang="en-IN" dirty="0"/>
+          </a:p>
+          <a:p>
+            <a:endParaRPr lang="en-IN" dirty="0"/>
+          </a:p>
+          <a:p>
+            <a:endParaRPr lang="en-IN" dirty="0"/>
+          </a:p>
+          <a:p>
+            <a:endParaRPr lang="en-IN" dirty="0"/>
+          </a:p>
+        </p:txBody>
+      </p:sp>
+    </p:spTree>
+    <p:extLst>
+      <p:ext uri="{BB962C8B-B14F-4D97-AF65-F5344CB8AC3E}">
+        <p14:creationId xmlns:p14="http://schemas.microsoft.com/office/powerpoint/2010/main" val="111675659"/>
       </p:ext>
     </p:extLst>
   </p:cSld>
@@ -3610,6 +6529,1033 @@
     <p:extLst>
       <p:ext uri="{BB962C8B-B14F-4D97-AF65-F5344CB8AC3E}">
         <p14:creationId xmlns:p14="http://schemas.microsoft.com/office/powerpoint/2010/main" val="1459117299"/>
+      </p:ext>
+    </p:extLst>
+  </p:cSld>
+  <p:clrMapOvr>
+    <a:masterClrMapping/>
+  </p:clrMapOvr>
+</p:sld>
+</file>
+
+<file path=ppt/slides/slide20.xml><?xml version="1.0" encoding="utf-8"?>
+<p:sld xmlns:a="http://schemas.openxmlformats.org/drawingml/2006/main" xmlns:r="http://schemas.openxmlformats.org/officeDocument/2006/relationships" xmlns:p="http://schemas.openxmlformats.org/presentationml/2006/main">
+  <p:cSld>
+    <p:spTree>
+      <p:nvGrpSpPr>
+        <p:cNvPr id="1" name=""/>
+        <p:cNvGrpSpPr/>
+        <p:nvPr/>
+      </p:nvGrpSpPr>
+      <p:grpSpPr>
+        <a:xfrm>
+          <a:off x="0" y="0"/>
+          <a:ext cx="0" cy="0"/>
+          <a:chOff x="0" y="0"/>
+          <a:chExt cx="0" cy="0"/>
+        </a:xfrm>
+      </p:grpSpPr>
+      <p:sp>
+        <p:nvSpPr>
+          <p:cNvPr id="2" name="TextBox 1">
+            <a:extLst>
+              <a:ext uri="{FF2B5EF4-FFF2-40B4-BE49-F238E27FC236}">
+                <a16:creationId xmlns:a16="http://schemas.microsoft.com/office/drawing/2014/main" id="{478F8B7A-3065-4C96-9776-389059E8C19C}"/>
+              </a:ext>
+            </a:extLst>
+          </p:cNvPr>
+          <p:cNvSpPr txBox="1"/>
+          <p:nvPr/>
+        </p:nvSpPr>
+        <p:spPr>
+          <a:xfrm>
+            <a:off x="2952017" y="417546"/>
+            <a:ext cx="7141552" cy="584775"/>
+          </a:xfrm>
+          <a:prstGeom prst="rect">
+            <a:avLst/>
+          </a:prstGeom>
+          <a:noFill/>
+        </p:spPr>
+        <p:txBody>
+          <a:bodyPr wrap="square" rtlCol="0">
+            <a:spAutoFit/>
+          </a:bodyPr>
+          <a:lstStyle/>
+          <a:p>
+            <a:r>
+              <a:rPr lang="en-IN" sz="3200" b="1" dirty="0"/>
+              <a:t>Scala Transformation</a:t>
+            </a:r>
+          </a:p>
+        </p:txBody>
+      </p:sp>
+      <p:sp>
+        <p:nvSpPr>
+          <p:cNvPr id="3" name="TextBox 2">
+            <a:extLst>
+              <a:ext uri="{FF2B5EF4-FFF2-40B4-BE49-F238E27FC236}">
+                <a16:creationId xmlns:a16="http://schemas.microsoft.com/office/drawing/2014/main" id="{8401DDFD-AAC4-45D6-8461-7B1AAE041AD6}"/>
+              </a:ext>
+            </a:extLst>
+          </p:cNvPr>
+          <p:cNvSpPr txBox="1"/>
+          <p:nvPr/>
+        </p:nvSpPr>
+        <p:spPr>
+          <a:xfrm>
+            <a:off x="808892" y="922396"/>
+            <a:ext cx="11383108" cy="6186309"/>
+          </a:xfrm>
+          <a:prstGeom prst="rect">
+            <a:avLst/>
+          </a:prstGeom>
+          <a:noFill/>
+        </p:spPr>
+        <p:txBody>
+          <a:bodyPr wrap="square" rtlCol="0">
+            <a:spAutoFit/>
+          </a:bodyPr>
+          <a:lstStyle/>
+          <a:p>
+            <a:r>
+              <a:rPr lang="en-IN" dirty="0"/>
+              <a:t>RDD Action</a:t>
+            </a:r>
+          </a:p>
+          <a:p>
+            <a:endParaRPr lang="en-IN" dirty="0"/>
+          </a:p>
+          <a:p>
+            <a:r>
+              <a:rPr lang="en-IN" b="1" dirty="0"/>
+              <a:t>take(n)</a:t>
+            </a:r>
+          </a:p>
+          <a:p>
+            <a:r>
+              <a:rPr lang="en-IN" dirty="0"/>
+              <a:t>The action </a:t>
+            </a:r>
+            <a:r>
+              <a:rPr lang="en-IN" b="1" dirty="0"/>
+              <a:t>take(n)</a:t>
+            </a:r>
+            <a:r>
+              <a:rPr lang="en-IN" dirty="0"/>
+              <a:t> returns n number of elements from RDD. It tries to cut the number of partition it accesses, so it represents a biased collection. We cannot presume the order of the elements.</a:t>
+            </a:r>
+          </a:p>
+          <a:p>
+            <a:r>
+              <a:rPr lang="en-IN" dirty="0" err="1"/>
+              <a:t>val</a:t>
+            </a:r>
+            <a:r>
+              <a:rPr lang="en-IN" dirty="0"/>
+              <a:t> data = </a:t>
+            </a:r>
+            <a:r>
+              <a:rPr lang="en-IN" dirty="0" err="1"/>
+              <a:t>spark.sparkContext.parallelize</a:t>
+            </a:r>
+            <a:r>
+              <a:rPr lang="en-IN" dirty="0"/>
+              <a:t>(Array(('k',5),('s',3),('s',4),('p',7),('p',5),('t',8),('k',6)),3)</a:t>
+            </a:r>
+          </a:p>
+          <a:p>
+            <a:r>
+              <a:rPr lang="en-IN" dirty="0" err="1"/>
+              <a:t>val</a:t>
+            </a:r>
+            <a:r>
+              <a:rPr lang="en-IN" dirty="0"/>
+              <a:t> group = </a:t>
+            </a:r>
+            <a:r>
+              <a:rPr lang="en-IN" dirty="0" err="1"/>
+              <a:t>data.groupByKey</a:t>
+            </a:r>
+            <a:r>
+              <a:rPr lang="en-IN" dirty="0"/>
+              <a:t>().collect()</a:t>
+            </a:r>
+          </a:p>
+          <a:p>
+            <a:r>
+              <a:rPr lang="en-IN" dirty="0" err="1"/>
+              <a:t>val</a:t>
+            </a:r>
+            <a:r>
+              <a:rPr lang="en-IN" dirty="0"/>
+              <a:t> </a:t>
+            </a:r>
+            <a:r>
+              <a:rPr lang="en-IN" dirty="0" err="1"/>
+              <a:t>twoRec</a:t>
+            </a:r>
+            <a:r>
+              <a:rPr lang="en-IN" dirty="0"/>
+              <a:t> = </a:t>
+            </a:r>
+            <a:r>
+              <a:rPr lang="en-IN" dirty="0" err="1"/>
+              <a:t>result.take</a:t>
+            </a:r>
+            <a:r>
+              <a:rPr lang="en-IN" dirty="0"/>
+              <a:t>(2)</a:t>
+            </a:r>
+          </a:p>
+          <a:p>
+            <a:endParaRPr lang="en-IN" dirty="0"/>
+          </a:p>
+          <a:p>
+            <a:endParaRPr lang="en-IN" dirty="0"/>
+          </a:p>
+          <a:p>
+            <a:r>
+              <a:rPr lang="en-IN" b="1" dirty="0"/>
+              <a:t>top()</a:t>
+            </a:r>
+          </a:p>
+          <a:p>
+            <a:r>
+              <a:rPr lang="en-IN" dirty="0"/>
+              <a:t>If ordering is present in our RDD, then we can extract top elements from our RDD using </a:t>
+            </a:r>
+            <a:r>
+              <a:rPr lang="en-IN" b="1" dirty="0"/>
+              <a:t>top()</a:t>
+            </a:r>
+            <a:r>
+              <a:rPr lang="en-IN" dirty="0"/>
+              <a:t>. Action </a:t>
+            </a:r>
+            <a:r>
+              <a:rPr lang="en-IN" i="1" dirty="0"/>
+              <a:t>top()</a:t>
+            </a:r>
+            <a:r>
+              <a:rPr lang="en-IN" dirty="0"/>
+              <a:t> use default ordering of data.</a:t>
+            </a:r>
+          </a:p>
+          <a:p>
+            <a:endParaRPr lang="en-IN" dirty="0"/>
+          </a:p>
+          <a:p>
+            <a:r>
+              <a:rPr lang="en-IN" dirty="0" err="1"/>
+              <a:t>val</a:t>
+            </a:r>
+            <a:r>
+              <a:rPr lang="en-IN" dirty="0"/>
+              <a:t> data = </a:t>
+            </a:r>
+            <a:r>
+              <a:rPr lang="en-IN" dirty="0" err="1"/>
+              <a:t>spark.read.textFile</a:t>
+            </a:r>
+            <a:r>
+              <a:rPr lang="en-IN" dirty="0"/>
+              <a:t>("spark_test.txt").</a:t>
+            </a:r>
+            <a:r>
+              <a:rPr lang="en-IN" dirty="0" err="1"/>
+              <a:t>rdd</a:t>
+            </a:r>
+            <a:endParaRPr lang="en-IN" dirty="0"/>
+          </a:p>
+          <a:p>
+            <a:r>
+              <a:rPr lang="en-IN" dirty="0" err="1"/>
+              <a:t>val</a:t>
+            </a:r>
+            <a:r>
+              <a:rPr lang="en-IN" dirty="0"/>
+              <a:t> </a:t>
+            </a:r>
+            <a:r>
+              <a:rPr lang="en-IN" dirty="0" err="1"/>
+              <a:t>mapFile</a:t>
+            </a:r>
+            <a:r>
+              <a:rPr lang="en-IN" dirty="0"/>
+              <a:t> = </a:t>
+            </a:r>
+            <a:r>
+              <a:rPr lang="en-IN" dirty="0" err="1"/>
+              <a:t>data.map</a:t>
+            </a:r>
+            <a:r>
+              <a:rPr lang="en-IN" dirty="0"/>
+              <a:t>(line =&gt; (</a:t>
+            </a:r>
+            <a:r>
+              <a:rPr lang="en-IN" dirty="0" err="1"/>
+              <a:t>line,line.length</a:t>
+            </a:r>
+            <a:r>
+              <a:rPr lang="en-IN" dirty="0"/>
+              <a:t>))</a:t>
+            </a:r>
+          </a:p>
+          <a:p>
+            <a:r>
+              <a:rPr lang="en-IN" dirty="0" err="1"/>
+              <a:t>val</a:t>
+            </a:r>
+            <a:r>
+              <a:rPr lang="en-IN" dirty="0"/>
+              <a:t> res = </a:t>
+            </a:r>
+            <a:r>
+              <a:rPr lang="en-IN" dirty="0" err="1"/>
+              <a:t>mapFile.top</a:t>
+            </a:r>
+            <a:r>
+              <a:rPr lang="en-IN" dirty="0"/>
+              <a:t>(3)</a:t>
+            </a:r>
+          </a:p>
+          <a:p>
+            <a:r>
+              <a:rPr lang="en-IN" dirty="0" err="1"/>
+              <a:t>res.foreach</a:t>
+            </a:r>
+            <a:r>
+              <a:rPr lang="en-IN" dirty="0"/>
+              <a:t>(</a:t>
+            </a:r>
+            <a:r>
+              <a:rPr lang="en-IN" b="1" dirty="0" err="1"/>
+              <a:t>print</a:t>
+            </a:r>
+            <a:r>
+              <a:rPr lang="en-IN" dirty="0" err="1"/>
+              <a:t>ln</a:t>
+            </a:r>
+            <a:r>
+              <a:rPr lang="en-IN" dirty="0"/>
+              <a:t>)</a:t>
+            </a:r>
+          </a:p>
+          <a:p>
+            <a:endParaRPr lang="en-IN" dirty="0"/>
+          </a:p>
+          <a:p>
+            <a:endParaRPr lang="en-IN" dirty="0"/>
+          </a:p>
+          <a:p>
+            <a:endParaRPr lang="en-IN" dirty="0"/>
+          </a:p>
+          <a:p>
+            <a:endParaRPr lang="en-IN" dirty="0"/>
+          </a:p>
+        </p:txBody>
+      </p:sp>
+    </p:spTree>
+    <p:extLst>
+      <p:ext uri="{BB962C8B-B14F-4D97-AF65-F5344CB8AC3E}">
+        <p14:creationId xmlns:p14="http://schemas.microsoft.com/office/powerpoint/2010/main" val="3471386344"/>
+      </p:ext>
+    </p:extLst>
+  </p:cSld>
+  <p:clrMapOvr>
+    <a:masterClrMapping/>
+  </p:clrMapOvr>
+</p:sld>
+</file>
+
+<file path=ppt/slides/slide21.xml><?xml version="1.0" encoding="utf-8"?>
+<p:sld xmlns:a="http://schemas.openxmlformats.org/drawingml/2006/main" xmlns:r="http://schemas.openxmlformats.org/officeDocument/2006/relationships" xmlns:p="http://schemas.openxmlformats.org/presentationml/2006/main">
+  <p:cSld>
+    <p:spTree>
+      <p:nvGrpSpPr>
+        <p:cNvPr id="1" name=""/>
+        <p:cNvGrpSpPr/>
+        <p:nvPr/>
+      </p:nvGrpSpPr>
+      <p:grpSpPr>
+        <a:xfrm>
+          <a:off x="0" y="0"/>
+          <a:ext cx="0" cy="0"/>
+          <a:chOff x="0" y="0"/>
+          <a:chExt cx="0" cy="0"/>
+        </a:xfrm>
+      </p:grpSpPr>
+      <p:sp>
+        <p:nvSpPr>
+          <p:cNvPr id="2" name="TextBox 1">
+            <a:extLst>
+              <a:ext uri="{FF2B5EF4-FFF2-40B4-BE49-F238E27FC236}">
+                <a16:creationId xmlns:a16="http://schemas.microsoft.com/office/drawing/2014/main" id="{478F8B7A-3065-4C96-9776-389059E8C19C}"/>
+              </a:ext>
+            </a:extLst>
+          </p:cNvPr>
+          <p:cNvSpPr txBox="1"/>
+          <p:nvPr/>
+        </p:nvSpPr>
+        <p:spPr>
+          <a:xfrm>
+            <a:off x="2952017" y="417546"/>
+            <a:ext cx="7141552" cy="584775"/>
+          </a:xfrm>
+          <a:prstGeom prst="rect">
+            <a:avLst/>
+          </a:prstGeom>
+          <a:noFill/>
+        </p:spPr>
+        <p:txBody>
+          <a:bodyPr wrap="square" rtlCol="0">
+            <a:spAutoFit/>
+          </a:bodyPr>
+          <a:lstStyle/>
+          <a:p>
+            <a:r>
+              <a:rPr lang="en-IN" sz="3200" b="1" dirty="0"/>
+              <a:t>Scala Transformation</a:t>
+            </a:r>
+          </a:p>
+        </p:txBody>
+      </p:sp>
+      <p:sp>
+        <p:nvSpPr>
+          <p:cNvPr id="3" name="TextBox 2">
+            <a:extLst>
+              <a:ext uri="{FF2B5EF4-FFF2-40B4-BE49-F238E27FC236}">
+                <a16:creationId xmlns:a16="http://schemas.microsoft.com/office/drawing/2014/main" id="{8401DDFD-AAC4-45D6-8461-7B1AAE041AD6}"/>
+              </a:ext>
+            </a:extLst>
+          </p:cNvPr>
+          <p:cNvSpPr txBox="1"/>
+          <p:nvPr/>
+        </p:nvSpPr>
+        <p:spPr>
+          <a:xfrm>
+            <a:off x="808892" y="922396"/>
+            <a:ext cx="11383108" cy="6463308"/>
+          </a:xfrm>
+          <a:prstGeom prst="rect">
+            <a:avLst/>
+          </a:prstGeom>
+          <a:noFill/>
+        </p:spPr>
+        <p:txBody>
+          <a:bodyPr wrap="square" rtlCol="0">
+            <a:spAutoFit/>
+          </a:bodyPr>
+          <a:lstStyle/>
+          <a:p>
+            <a:r>
+              <a:rPr lang="en-IN" dirty="0"/>
+              <a:t>RDD Action</a:t>
+            </a:r>
+          </a:p>
+          <a:p>
+            <a:endParaRPr lang="en-IN" dirty="0"/>
+          </a:p>
+          <a:p>
+            <a:r>
+              <a:rPr lang="en-IN" b="1" dirty="0" err="1"/>
+              <a:t>countByValue</a:t>
+            </a:r>
+            <a:r>
+              <a:rPr lang="en-IN" b="1" dirty="0"/>
+              <a:t>()</a:t>
+            </a:r>
+          </a:p>
+          <a:p>
+            <a:r>
+              <a:rPr lang="en-IN" dirty="0"/>
+              <a:t>The </a:t>
+            </a:r>
+            <a:r>
+              <a:rPr lang="en-IN" b="1" dirty="0" err="1"/>
+              <a:t>countByValue</a:t>
+            </a:r>
+            <a:r>
+              <a:rPr lang="en-IN" b="1" dirty="0"/>
+              <a:t>()</a:t>
+            </a:r>
+            <a:r>
+              <a:rPr lang="en-IN" dirty="0"/>
+              <a:t> returns, many times each element occur in RDD.</a:t>
+            </a:r>
+          </a:p>
+          <a:p>
+            <a:r>
+              <a:rPr lang="en-IN" dirty="0"/>
+              <a:t>For example, RDD has values {1, 2, 2, 3, 4, 5, 5, 6} in this RDD “</a:t>
+            </a:r>
+            <a:r>
+              <a:rPr lang="en-IN" dirty="0" err="1"/>
+              <a:t>rdd.countByValue</a:t>
+            </a:r>
+            <a:r>
+              <a:rPr lang="en-IN" dirty="0"/>
+              <a:t>()”  will give the result {(1,1), (2,2), (3,1), (4,1), (5,2), (6,1)}</a:t>
+            </a:r>
+          </a:p>
+          <a:p>
+            <a:r>
+              <a:rPr lang="en-IN" dirty="0" err="1"/>
+              <a:t>val</a:t>
+            </a:r>
+            <a:r>
+              <a:rPr lang="en-IN" dirty="0"/>
+              <a:t> data = </a:t>
+            </a:r>
+            <a:r>
+              <a:rPr lang="en-IN" dirty="0" err="1"/>
+              <a:t>spark.read.textFile</a:t>
+            </a:r>
+            <a:r>
+              <a:rPr lang="en-IN" dirty="0"/>
+              <a:t>("spark_test.txt").</a:t>
+            </a:r>
+            <a:r>
+              <a:rPr lang="en-IN" dirty="0" err="1"/>
+              <a:t>rdd</a:t>
+            </a:r>
+            <a:endParaRPr lang="en-IN" dirty="0"/>
+          </a:p>
+          <a:p>
+            <a:r>
+              <a:rPr lang="en-IN" dirty="0" err="1"/>
+              <a:t>val</a:t>
+            </a:r>
+            <a:r>
+              <a:rPr lang="en-IN" dirty="0"/>
+              <a:t> result= </a:t>
+            </a:r>
+            <a:r>
+              <a:rPr lang="en-IN" dirty="0" err="1"/>
+              <a:t>data.map</a:t>
+            </a:r>
+            <a:r>
+              <a:rPr lang="en-IN" dirty="0"/>
+              <a:t>(line =&gt; (</a:t>
+            </a:r>
+            <a:r>
+              <a:rPr lang="en-IN" dirty="0" err="1"/>
+              <a:t>line,line.length</a:t>
+            </a:r>
+            <a:r>
+              <a:rPr lang="en-IN" dirty="0"/>
+              <a:t>)).</a:t>
+            </a:r>
+            <a:r>
+              <a:rPr lang="en-IN" dirty="0" err="1"/>
+              <a:t>countByValue</a:t>
+            </a:r>
+            <a:r>
+              <a:rPr lang="en-IN" dirty="0"/>
+              <a:t>()</a:t>
+            </a:r>
+          </a:p>
+          <a:p>
+            <a:r>
+              <a:rPr lang="en-IN" dirty="0" err="1"/>
+              <a:t>result.foreach</a:t>
+            </a:r>
+            <a:r>
+              <a:rPr lang="en-IN" dirty="0"/>
+              <a:t>(</a:t>
+            </a:r>
+            <a:r>
+              <a:rPr lang="en-IN" b="1" dirty="0" err="1"/>
+              <a:t>print</a:t>
+            </a:r>
+            <a:r>
+              <a:rPr lang="en-IN" dirty="0" err="1"/>
+              <a:t>ln</a:t>
+            </a:r>
+            <a:r>
+              <a:rPr lang="en-IN" dirty="0"/>
+              <a:t>)</a:t>
+            </a:r>
+          </a:p>
+          <a:p>
+            <a:endParaRPr lang="en-IN" dirty="0"/>
+          </a:p>
+          <a:p>
+            <a:endParaRPr lang="en-IN" dirty="0"/>
+          </a:p>
+          <a:p>
+            <a:r>
+              <a:rPr lang="en-IN" b="1" dirty="0"/>
+              <a:t>reduce()</a:t>
+            </a:r>
+          </a:p>
+          <a:p>
+            <a:r>
+              <a:rPr lang="en-IN" dirty="0"/>
+              <a:t>The</a:t>
+            </a:r>
+            <a:r>
+              <a:rPr lang="en-IN" b="1" dirty="0"/>
+              <a:t> reduce()</a:t>
+            </a:r>
+            <a:r>
+              <a:rPr lang="en-IN" dirty="0"/>
+              <a:t> function takes the two elements as input from the RDD and then produces the output of the same type as that of the input elements. The simple forms of such function are an addition. We can add the elements of RDD, count the number of words. It accepts commutative and associative operations as an argument.</a:t>
+            </a:r>
+          </a:p>
+          <a:p>
+            <a:endParaRPr lang="en-IN" dirty="0"/>
+          </a:p>
+          <a:p>
+            <a:r>
+              <a:rPr lang="en-IN" dirty="0" err="1"/>
+              <a:t>val</a:t>
+            </a:r>
+            <a:r>
+              <a:rPr lang="en-IN" dirty="0"/>
+              <a:t> rdd1 = </a:t>
+            </a:r>
+            <a:r>
+              <a:rPr lang="en-IN" dirty="0" err="1"/>
+              <a:t>spark.sparkContext.parallelize</a:t>
+            </a:r>
+            <a:r>
+              <a:rPr lang="en-IN" dirty="0"/>
+              <a:t>(</a:t>
+            </a:r>
+            <a:r>
+              <a:rPr lang="en-IN" b="1" dirty="0"/>
+              <a:t>List</a:t>
+            </a:r>
+            <a:r>
+              <a:rPr lang="en-IN" dirty="0"/>
+              <a:t>(20,32,45,62,8,5))</a:t>
+            </a:r>
+          </a:p>
+          <a:p>
+            <a:r>
+              <a:rPr lang="en-IN" dirty="0" err="1"/>
+              <a:t>val</a:t>
+            </a:r>
+            <a:r>
+              <a:rPr lang="en-IN" dirty="0"/>
+              <a:t> sum = rdd1.reduce(_+_)</a:t>
+            </a:r>
+          </a:p>
+          <a:p>
+            <a:r>
+              <a:rPr lang="en-IN" dirty="0" err="1"/>
+              <a:t>println</a:t>
+            </a:r>
+            <a:r>
+              <a:rPr lang="en-IN" dirty="0"/>
+              <a:t>(sum)</a:t>
+            </a:r>
+          </a:p>
+          <a:p>
+            <a:endParaRPr lang="en-IN" dirty="0"/>
+          </a:p>
+          <a:p>
+            <a:endParaRPr lang="en-IN" dirty="0"/>
+          </a:p>
+          <a:p>
+            <a:endParaRPr lang="en-IN" dirty="0"/>
+          </a:p>
+          <a:p>
+            <a:endParaRPr lang="en-IN" dirty="0"/>
+          </a:p>
+        </p:txBody>
+      </p:sp>
+    </p:spTree>
+    <p:extLst>
+      <p:ext uri="{BB962C8B-B14F-4D97-AF65-F5344CB8AC3E}">
+        <p14:creationId xmlns:p14="http://schemas.microsoft.com/office/powerpoint/2010/main" val="2188375912"/>
+      </p:ext>
+    </p:extLst>
+  </p:cSld>
+  <p:clrMapOvr>
+    <a:masterClrMapping/>
+  </p:clrMapOvr>
+</p:sld>
+</file>
+
+<file path=ppt/slides/slide22.xml><?xml version="1.0" encoding="utf-8"?>
+<p:sld xmlns:a="http://schemas.openxmlformats.org/drawingml/2006/main" xmlns:r="http://schemas.openxmlformats.org/officeDocument/2006/relationships" xmlns:p="http://schemas.openxmlformats.org/presentationml/2006/main">
+  <p:cSld>
+    <p:spTree>
+      <p:nvGrpSpPr>
+        <p:cNvPr id="1" name=""/>
+        <p:cNvGrpSpPr/>
+        <p:nvPr/>
+      </p:nvGrpSpPr>
+      <p:grpSpPr>
+        <a:xfrm>
+          <a:off x="0" y="0"/>
+          <a:ext cx="0" cy="0"/>
+          <a:chOff x="0" y="0"/>
+          <a:chExt cx="0" cy="0"/>
+        </a:xfrm>
+      </p:grpSpPr>
+      <p:sp>
+        <p:nvSpPr>
+          <p:cNvPr id="2" name="TextBox 1">
+            <a:extLst>
+              <a:ext uri="{FF2B5EF4-FFF2-40B4-BE49-F238E27FC236}">
+                <a16:creationId xmlns:a16="http://schemas.microsoft.com/office/drawing/2014/main" id="{478F8B7A-3065-4C96-9776-389059E8C19C}"/>
+              </a:ext>
+            </a:extLst>
+          </p:cNvPr>
+          <p:cNvSpPr txBox="1"/>
+          <p:nvPr/>
+        </p:nvSpPr>
+        <p:spPr>
+          <a:xfrm>
+            <a:off x="2952017" y="417546"/>
+            <a:ext cx="7141552" cy="584775"/>
+          </a:xfrm>
+          <a:prstGeom prst="rect">
+            <a:avLst/>
+          </a:prstGeom>
+          <a:noFill/>
+        </p:spPr>
+        <p:txBody>
+          <a:bodyPr wrap="square" rtlCol="0">
+            <a:spAutoFit/>
+          </a:bodyPr>
+          <a:lstStyle/>
+          <a:p>
+            <a:r>
+              <a:rPr lang="en-IN" sz="3200" b="1" dirty="0"/>
+              <a:t>Scala Transformation</a:t>
+            </a:r>
+          </a:p>
+        </p:txBody>
+      </p:sp>
+      <p:sp>
+        <p:nvSpPr>
+          <p:cNvPr id="3" name="TextBox 2">
+            <a:extLst>
+              <a:ext uri="{FF2B5EF4-FFF2-40B4-BE49-F238E27FC236}">
+                <a16:creationId xmlns:a16="http://schemas.microsoft.com/office/drawing/2014/main" id="{8401DDFD-AAC4-45D6-8461-7B1AAE041AD6}"/>
+              </a:ext>
+            </a:extLst>
+          </p:cNvPr>
+          <p:cNvSpPr txBox="1"/>
+          <p:nvPr/>
+        </p:nvSpPr>
+        <p:spPr>
+          <a:xfrm>
+            <a:off x="808892" y="922396"/>
+            <a:ext cx="11383108" cy="6740307"/>
+          </a:xfrm>
+          <a:prstGeom prst="rect">
+            <a:avLst/>
+          </a:prstGeom>
+          <a:noFill/>
+        </p:spPr>
+        <p:txBody>
+          <a:bodyPr wrap="square" rtlCol="0">
+            <a:spAutoFit/>
+          </a:bodyPr>
+          <a:lstStyle/>
+          <a:p>
+            <a:r>
+              <a:rPr lang="en-IN" b="1" dirty="0"/>
+              <a:t>fold()</a:t>
+            </a:r>
+          </a:p>
+          <a:p>
+            <a:r>
+              <a:rPr lang="en-IN" dirty="0"/>
+              <a:t>The signature of the</a:t>
+            </a:r>
+            <a:r>
+              <a:rPr lang="en-IN" b="1" dirty="0"/>
+              <a:t> fold() </a:t>
+            </a:r>
+            <a:r>
+              <a:rPr lang="en-IN" dirty="0"/>
+              <a:t>is like </a:t>
+            </a:r>
+            <a:r>
+              <a:rPr lang="en-IN" i="1" dirty="0"/>
+              <a:t>reduce(). </a:t>
+            </a:r>
+            <a:r>
+              <a:rPr lang="en-IN" dirty="0"/>
+              <a:t>Besides, it takes “zero value” as input, which is used for the initial call on each partition. But, the </a:t>
+            </a:r>
+            <a:r>
+              <a:rPr lang="en-IN" b="1" dirty="0"/>
+              <a:t>condition with zero value</a:t>
+            </a:r>
+            <a:r>
+              <a:rPr lang="en-IN" dirty="0"/>
+              <a:t> is that it should be the </a:t>
+            </a:r>
+            <a:r>
+              <a:rPr lang="en-IN" b="1" dirty="0"/>
+              <a:t>identity element of that operation</a:t>
+            </a:r>
+            <a:r>
+              <a:rPr lang="en-IN" dirty="0"/>
+              <a:t>. The key difference between</a:t>
+            </a:r>
+            <a:r>
+              <a:rPr lang="en-IN" i="1" dirty="0"/>
+              <a:t> fold()</a:t>
+            </a:r>
+            <a:r>
+              <a:rPr lang="en-IN" dirty="0"/>
+              <a:t> and</a:t>
+            </a:r>
+            <a:r>
+              <a:rPr lang="en-IN" i="1" dirty="0"/>
+              <a:t> reduce()</a:t>
+            </a:r>
+            <a:r>
+              <a:rPr lang="en-IN" dirty="0"/>
+              <a:t> is that, </a:t>
+            </a:r>
+            <a:r>
+              <a:rPr lang="en-IN" i="1" dirty="0"/>
+              <a:t>reduce()</a:t>
+            </a:r>
+            <a:r>
+              <a:rPr lang="en-IN" dirty="0"/>
+              <a:t> throws an exception for empty collection, but </a:t>
+            </a:r>
+            <a:r>
+              <a:rPr lang="en-IN" i="1" dirty="0"/>
+              <a:t>fold()</a:t>
+            </a:r>
+            <a:r>
+              <a:rPr lang="en-IN" dirty="0"/>
+              <a:t> is defined for empty collection.</a:t>
+            </a:r>
+          </a:p>
+          <a:p>
+            <a:r>
+              <a:rPr lang="en-IN" dirty="0" err="1"/>
+              <a:t>val</a:t>
+            </a:r>
+            <a:r>
+              <a:rPr lang="en-IN" dirty="0"/>
+              <a:t> rdd1 = </a:t>
+            </a:r>
+            <a:r>
+              <a:rPr lang="en-IN" dirty="0" err="1"/>
+              <a:t>spark.sparkContext.parallelize</a:t>
+            </a:r>
+            <a:r>
+              <a:rPr lang="en-IN" dirty="0"/>
+              <a:t>(</a:t>
+            </a:r>
+            <a:r>
+              <a:rPr lang="en-IN" b="1" dirty="0"/>
+              <a:t>List</a:t>
+            </a:r>
+            <a:r>
+              <a:rPr lang="en-IN" dirty="0"/>
+              <a:t>(("maths", 80),("science", 90)))</a:t>
+            </a:r>
+          </a:p>
+          <a:p>
+            <a:r>
+              <a:rPr lang="en-IN" dirty="0" err="1"/>
+              <a:t>val</a:t>
+            </a:r>
+            <a:r>
+              <a:rPr lang="en-IN" dirty="0"/>
+              <a:t> </a:t>
+            </a:r>
+            <a:r>
+              <a:rPr lang="en-IN" dirty="0" err="1"/>
+              <a:t>additionalMarks</a:t>
+            </a:r>
+            <a:r>
+              <a:rPr lang="en-IN" dirty="0"/>
+              <a:t> = ("extra", 4)</a:t>
+            </a:r>
+          </a:p>
+          <a:p>
+            <a:r>
+              <a:rPr lang="en-IN" dirty="0" err="1"/>
+              <a:t>val</a:t>
+            </a:r>
+            <a:r>
+              <a:rPr lang="en-IN" dirty="0"/>
+              <a:t> sum = rdd1.fold(</a:t>
+            </a:r>
+            <a:r>
+              <a:rPr lang="en-IN" dirty="0" err="1"/>
+              <a:t>additionalMarks</a:t>
+            </a:r>
+            <a:r>
+              <a:rPr lang="en-IN" dirty="0"/>
+              <a:t>){ (</a:t>
+            </a:r>
+            <a:r>
+              <a:rPr lang="en-IN" dirty="0" err="1"/>
+              <a:t>acc</a:t>
+            </a:r>
+            <a:r>
+              <a:rPr lang="en-IN" dirty="0"/>
+              <a:t>, marks) =&gt; </a:t>
+            </a:r>
+            <a:r>
+              <a:rPr lang="en-IN" dirty="0" err="1"/>
+              <a:t>val</a:t>
+            </a:r>
+            <a:r>
+              <a:rPr lang="en-IN" dirty="0"/>
+              <a:t> add = acc._2 + marks._2</a:t>
+            </a:r>
+          </a:p>
+          <a:p>
+            <a:r>
+              <a:rPr lang="en-IN" dirty="0"/>
+              <a:t>("total", add)</a:t>
+            </a:r>
+          </a:p>
+          <a:p>
+            <a:r>
+              <a:rPr lang="en-IN" dirty="0"/>
+              <a:t>}</a:t>
+            </a:r>
+          </a:p>
+          <a:p>
+            <a:r>
+              <a:rPr lang="en-IN" b="1" dirty="0" err="1"/>
+              <a:t>print</a:t>
+            </a:r>
+            <a:r>
+              <a:rPr lang="en-IN" dirty="0" err="1"/>
+              <a:t>ln</a:t>
+            </a:r>
+            <a:r>
+              <a:rPr lang="en-IN" dirty="0"/>
+              <a:t>(sum)</a:t>
+            </a:r>
+          </a:p>
+          <a:p>
+            <a:endParaRPr lang="en-IN" dirty="0"/>
+          </a:p>
+          <a:p>
+            <a:endParaRPr lang="en-IN" dirty="0"/>
+          </a:p>
+          <a:p>
+            <a:r>
+              <a:rPr lang="en-IN" b="1" dirty="0"/>
+              <a:t>foreach()</a:t>
+            </a:r>
+          </a:p>
+          <a:p>
+            <a:r>
+              <a:rPr lang="en-IN" dirty="0"/>
+              <a:t>When we have a situation where we want to apply operation on each element of RDD, but it should not return value to the </a:t>
+            </a:r>
+            <a:r>
+              <a:rPr lang="en-IN" i="1" dirty="0"/>
+              <a:t>driver</a:t>
+            </a:r>
+            <a:r>
+              <a:rPr lang="en-IN" dirty="0"/>
+              <a:t>. In this case, </a:t>
+            </a:r>
+            <a:r>
+              <a:rPr lang="en-IN" b="1" dirty="0"/>
+              <a:t>foreach()</a:t>
+            </a:r>
+            <a:r>
+              <a:rPr lang="en-IN" dirty="0"/>
+              <a:t> function is useful. For example, inserting a record into the database</a:t>
+            </a:r>
+          </a:p>
+          <a:p>
+            <a:endParaRPr lang="en-IN" dirty="0"/>
+          </a:p>
+          <a:p>
+            <a:r>
+              <a:rPr lang="en-IN" dirty="0" err="1"/>
+              <a:t>val</a:t>
+            </a:r>
+            <a:r>
+              <a:rPr lang="en-IN" dirty="0"/>
+              <a:t> data = </a:t>
+            </a:r>
+            <a:r>
+              <a:rPr lang="en-IN" dirty="0" err="1"/>
+              <a:t>spark.sparkContext.parallelize</a:t>
+            </a:r>
+            <a:r>
+              <a:rPr lang="en-IN" dirty="0"/>
+              <a:t>(Array(('k',5),('s',3),('s',4),('p',7),('p',5),('t',8),('k',6)),3)</a:t>
+            </a:r>
+          </a:p>
+          <a:p>
+            <a:r>
+              <a:rPr lang="en-IN" dirty="0" err="1"/>
+              <a:t>val</a:t>
+            </a:r>
+            <a:r>
+              <a:rPr lang="en-IN" dirty="0"/>
+              <a:t> group = </a:t>
+            </a:r>
+            <a:r>
+              <a:rPr lang="en-IN" dirty="0" err="1"/>
+              <a:t>data.groupByKey</a:t>
+            </a:r>
+            <a:r>
+              <a:rPr lang="en-IN" dirty="0"/>
+              <a:t>().collect()</a:t>
+            </a:r>
+          </a:p>
+          <a:p>
+            <a:r>
+              <a:rPr lang="en-IN" dirty="0" err="1"/>
+              <a:t>group.</a:t>
+            </a:r>
+            <a:r>
+              <a:rPr lang="en-IN" b="1" dirty="0" err="1"/>
+              <a:t>foreach</a:t>
+            </a:r>
+            <a:r>
+              <a:rPr lang="en-IN" dirty="0"/>
+              <a:t>(</a:t>
+            </a:r>
+            <a:r>
+              <a:rPr lang="en-IN" b="1" dirty="0" err="1"/>
+              <a:t>print</a:t>
+            </a:r>
+            <a:r>
+              <a:rPr lang="en-IN" dirty="0" err="1"/>
+              <a:t>ln</a:t>
+            </a:r>
+            <a:r>
+              <a:rPr lang="en-IN" dirty="0"/>
+              <a:t>)</a:t>
+            </a:r>
+          </a:p>
+          <a:p>
+            <a:endParaRPr lang="en-IN" dirty="0"/>
+          </a:p>
+          <a:p>
+            <a:endParaRPr lang="en-IN" dirty="0"/>
+          </a:p>
+          <a:p>
+            <a:endParaRPr lang="en-IN" dirty="0"/>
+          </a:p>
+          <a:p>
+            <a:endParaRPr lang="en-IN" dirty="0"/>
+          </a:p>
+        </p:txBody>
+      </p:sp>
+    </p:spTree>
+    <p:extLst>
+      <p:ext uri="{BB962C8B-B14F-4D97-AF65-F5344CB8AC3E}">
+        <p14:creationId xmlns:p14="http://schemas.microsoft.com/office/powerpoint/2010/main" val="735282414"/>
       </p:ext>
     </p:extLst>
   </p:cSld>

--- a/sparkscala.pptx
+++ b/sparkscala.pptx
@@ -4337,7 +4337,7 @@
         <p:spPr>
           <a:xfrm>
             <a:off x="468923" y="1002321"/>
-            <a:ext cx="11383108" cy="5909310"/>
+            <a:ext cx="11383108" cy="5355312"/>
           </a:xfrm>
           <a:prstGeom prst="rect">
             <a:avLst/>
@@ -4393,29 +4393,6 @@
             </a:r>
             <a:r>
               <a:rPr lang="en-IN" dirty="0"/>
-              <a:t> data = </a:t>
-            </a:r>
-            <a:r>
-              <a:rPr lang="en-IN" dirty="0" err="1"/>
-              <a:t>spark.read.textFile</a:t>
-            </a:r>
-            <a:r>
-              <a:rPr lang="en-IN" dirty="0"/>
-              <a:t>("spark_test.txt").</a:t>
-            </a:r>
-            <a:r>
-              <a:rPr lang="en-IN" dirty="0" err="1"/>
-              <a:t>rdd</a:t>
-            </a:r>
-            <a:endParaRPr lang="en-IN" dirty="0"/>
-          </a:p>
-          <a:p>
-            <a:r>
-              <a:rPr lang="en-IN" dirty="0" err="1"/>
-              <a:t>val</a:t>
-            </a:r>
-            <a:r>
-              <a:rPr lang="en-IN" dirty="0"/>
               <a:t> </a:t>
             </a:r>
             <a:r>
@@ -4428,7 +4405,7 @@
             </a:r>
             <a:r>
               <a:rPr lang="en-IN" dirty="0" err="1"/>
-              <a:t>data.map</a:t>
+              <a:t>datatab.map</a:t>
             </a:r>
             <a:r>
               <a:rPr lang="en-IN" dirty="0"/>
@@ -4495,29 +4472,6 @@
             </a:r>
             <a:r>
               <a:rPr lang="en-IN" dirty="0"/>
-              <a:t> data = </a:t>
-            </a:r>
-            <a:r>
-              <a:rPr lang="en-IN" dirty="0" err="1"/>
-              <a:t>spark.read.textFile</a:t>
-            </a:r>
-            <a:r>
-              <a:rPr lang="en-IN" dirty="0"/>
-              <a:t>("spark_test.txt").</a:t>
-            </a:r>
-            <a:r>
-              <a:rPr lang="en-IN" dirty="0" err="1"/>
-              <a:t>rdd</a:t>
-            </a:r>
-            <a:endParaRPr lang="en-IN" dirty="0"/>
-          </a:p>
-          <a:p>
-            <a:r>
-              <a:rPr lang="en-IN" dirty="0" err="1"/>
-              <a:t>val</a:t>
-            </a:r>
-            <a:r>
-              <a:rPr lang="en-IN" dirty="0"/>
               <a:t> </a:t>
             </a:r>
             <a:r>
@@ -4530,7 +4484,7 @@
             </a:r>
             <a:r>
               <a:rPr lang="en-IN" dirty="0" err="1"/>
-              <a:t>data.flatMap</a:t>
+              <a:t>datatab.flatMap</a:t>
             </a:r>
             <a:r>
               <a:rPr lang="en-IN" dirty="0"/>
@@ -5583,7 +5537,7 @@
         <p:spPr>
           <a:xfrm>
             <a:off x="808892" y="922396"/>
-            <a:ext cx="11383108" cy="5909310"/>
+            <a:ext cx="11383108" cy="7294305"/>
           </a:xfrm>
           <a:prstGeom prst="rect">
             <a:avLst/>
@@ -5669,6 +5623,26 @@
             <a:endParaRPr lang="en-IN" dirty="0"/>
           </a:p>
           <a:p>
+            <a:r>
+              <a:rPr lang="en-IN" dirty="0" err="1"/>
+              <a:t>dataframe</a:t>
+            </a:r>
+            <a:endParaRPr lang="en-IN" dirty="0"/>
+          </a:p>
+          <a:p>
+            <a:r>
+              <a:rPr lang="en-IN" dirty="0" err="1"/>
+              <a:t>pppp.groupBy</a:t>
+            </a:r>
+            <a:r>
+              <a:rPr lang="en-IN" dirty="0"/>
+              <a:t>("mobile").count()</a:t>
+            </a:r>
+          </a:p>
+          <a:p>
+            <a:endParaRPr lang="en-IN" dirty="0"/>
+          </a:p>
+          <a:p>
             <a:endParaRPr lang="en-IN" dirty="0"/>
           </a:p>
           <a:p>
@@ -5703,9 +5677,6 @@
             <a:endParaRPr lang="en-IN" dirty="0"/>
           </a:p>
           <a:p>
-            <a:endParaRPr lang="en-IN" dirty="0"/>
-          </a:p>
-          <a:p>
             <a:r>
               <a:rPr lang="en-IN" dirty="0" err="1"/>
               <a:t>val</a:t>
@@ -5747,6 +5718,29 @@
             <a:r>
               <a:rPr lang="en-IN" dirty="0"/>
               <a:t>()</a:t>
+            </a:r>
+          </a:p>
+          <a:p>
+            <a:endParaRPr lang="en-IN" dirty="0"/>
+          </a:p>
+          <a:p>
+            <a:r>
+              <a:rPr lang="en-IN" dirty="0"/>
+              <a:t>Data frame</a:t>
+            </a:r>
+          </a:p>
+          <a:p>
+            <a:r>
+              <a:rPr lang="en-IN" dirty="0"/>
+              <a:t> </a:t>
+            </a:r>
+            <a:r>
+              <a:rPr lang="en-IN" dirty="0" err="1"/>
+              <a:t>pppp.sort</a:t>
+            </a:r>
+            <a:r>
+              <a:rPr lang="en-IN" dirty="0"/>
+              <a:t>("mobile").show()</a:t>
             </a:r>
           </a:p>
           <a:p>
